--- a/Documentation/MainScreen.pptx
+++ b/Documentation/MainScreen.pptx
@@ -6,8 +6,9 @@
   </p:sldMasterIdLst>
   <p:sldIdLst>
     <p:sldId id="256" r:id="rId2"/>
-    <p:sldId id="258" r:id="rId3"/>
-    <p:sldId id="257" r:id="rId4"/>
+    <p:sldId id="259" r:id="rId3"/>
+    <p:sldId id="258" r:id="rId4"/>
+    <p:sldId id="257" r:id="rId5"/>
   </p:sldIdLst>
   <p:sldSz cx="12192000" cy="6858000"/>
   <p:notesSz cx="6858000" cy="9144000"/>
@@ -106,6 +107,11 @@
       </a:defRPr>
     </a:lvl9pPr>
   </p:defaultTextStyle>
+  <p:extLst>
+    <p:ext uri="{EFAFB233-063F-42B5-8137-9DF3F51BA10A}">
+      <p15:sldGuideLst xmlns:p15="http://schemas.microsoft.com/office/powerpoint/2012/main"/>
+    </p:ext>
+  </p:extLst>
 </p:presentation>
 </file>
 
@@ -258,7 +264,7 @@
           <a:p>
             <a:fld id="{12403DD5-BA0F-4CF9-9809-F3531374A54B}" type="datetimeFigureOut">
               <a:rPr lang="en-AU" smtClean="0"/>
-              <a:t>31/05/2022</a:t>
+              <a:t>15/08/2022</a:t>
             </a:fld>
             <a:endParaRPr lang="en-AU"/>
           </a:p>
@@ -458,7 +464,7 @@
           <a:p>
             <a:fld id="{12403DD5-BA0F-4CF9-9809-F3531374A54B}" type="datetimeFigureOut">
               <a:rPr lang="en-AU" smtClean="0"/>
-              <a:t>31/05/2022</a:t>
+              <a:t>15/08/2022</a:t>
             </a:fld>
             <a:endParaRPr lang="en-AU"/>
           </a:p>
@@ -668,7 +674,7 @@
           <a:p>
             <a:fld id="{12403DD5-BA0F-4CF9-9809-F3531374A54B}" type="datetimeFigureOut">
               <a:rPr lang="en-AU" smtClean="0"/>
-              <a:t>31/05/2022</a:t>
+              <a:t>15/08/2022</a:t>
             </a:fld>
             <a:endParaRPr lang="en-AU"/>
           </a:p>
@@ -868,7 +874,7 @@
           <a:p>
             <a:fld id="{12403DD5-BA0F-4CF9-9809-F3531374A54B}" type="datetimeFigureOut">
               <a:rPr lang="en-AU" smtClean="0"/>
-              <a:t>31/05/2022</a:t>
+              <a:t>15/08/2022</a:t>
             </a:fld>
             <a:endParaRPr lang="en-AU"/>
           </a:p>
@@ -1144,7 +1150,7 @@
           <a:p>
             <a:fld id="{12403DD5-BA0F-4CF9-9809-F3531374A54B}" type="datetimeFigureOut">
               <a:rPr lang="en-AU" smtClean="0"/>
-              <a:t>31/05/2022</a:t>
+              <a:t>15/08/2022</a:t>
             </a:fld>
             <a:endParaRPr lang="en-AU"/>
           </a:p>
@@ -1412,7 +1418,7 @@
           <a:p>
             <a:fld id="{12403DD5-BA0F-4CF9-9809-F3531374A54B}" type="datetimeFigureOut">
               <a:rPr lang="en-AU" smtClean="0"/>
-              <a:t>31/05/2022</a:t>
+              <a:t>15/08/2022</a:t>
             </a:fld>
             <a:endParaRPr lang="en-AU"/>
           </a:p>
@@ -1827,7 +1833,7 @@
           <a:p>
             <a:fld id="{12403DD5-BA0F-4CF9-9809-F3531374A54B}" type="datetimeFigureOut">
               <a:rPr lang="en-AU" smtClean="0"/>
-              <a:t>31/05/2022</a:t>
+              <a:t>15/08/2022</a:t>
             </a:fld>
             <a:endParaRPr lang="en-AU"/>
           </a:p>
@@ -1969,7 +1975,7 @@
           <a:p>
             <a:fld id="{12403DD5-BA0F-4CF9-9809-F3531374A54B}" type="datetimeFigureOut">
               <a:rPr lang="en-AU" smtClean="0"/>
-              <a:t>31/05/2022</a:t>
+              <a:t>15/08/2022</a:t>
             </a:fld>
             <a:endParaRPr lang="en-AU"/>
           </a:p>
@@ -2082,7 +2088,7 @@
           <a:p>
             <a:fld id="{12403DD5-BA0F-4CF9-9809-F3531374A54B}" type="datetimeFigureOut">
               <a:rPr lang="en-AU" smtClean="0"/>
-              <a:t>31/05/2022</a:t>
+              <a:t>15/08/2022</a:t>
             </a:fld>
             <a:endParaRPr lang="en-AU"/>
           </a:p>
@@ -2395,7 +2401,7 @@
           <a:p>
             <a:fld id="{12403DD5-BA0F-4CF9-9809-F3531374A54B}" type="datetimeFigureOut">
               <a:rPr lang="en-AU" smtClean="0"/>
-              <a:t>31/05/2022</a:t>
+              <a:t>15/08/2022</a:t>
             </a:fld>
             <a:endParaRPr lang="en-AU"/>
           </a:p>
@@ -2684,7 +2690,7 @@
           <a:p>
             <a:fld id="{12403DD5-BA0F-4CF9-9809-F3531374A54B}" type="datetimeFigureOut">
               <a:rPr lang="en-AU" smtClean="0"/>
-              <a:t>31/05/2022</a:t>
+              <a:t>15/08/2022</a:t>
             </a:fld>
             <a:endParaRPr lang="en-AU"/>
           </a:p>
@@ -2927,7 +2933,7 @@
           <a:p>
             <a:fld id="{12403DD5-BA0F-4CF9-9809-F3531374A54B}" type="datetimeFigureOut">
               <a:rPr lang="en-AU" smtClean="0"/>
-              <a:t>31/05/2022</a:t>
+              <a:t>15/08/2022</a:t>
             </a:fld>
             <a:endParaRPr lang="en-AU"/>
           </a:p>
@@ -3811,6 +3817,169 @@
       </p:grpSpPr>
       <p:sp>
         <p:nvSpPr>
+          <p:cNvPr id="2" name="Title 1">
+            <a:extLst>
+              <a:ext uri="{FF2B5EF4-FFF2-40B4-BE49-F238E27FC236}">
+                <a16:creationId xmlns:a16="http://schemas.microsoft.com/office/drawing/2014/main" id="{BA91417B-E6E9-4942-B4FB-9DE04F3FA35E}"/>
+              </a:ext>
+            </a:extLst>
+          </p:cNvPr>
+          <p:cNvSpPr>
+            <a:spLocks noGrp="1"/>
+          </p:cNvSpPr>
+          <p:nvPr>
+            <p:ph type="ctrTitle"/>
+          </p:nvPr>
+        </p:nvSpPr>
+        <p:spPr/>
+        <p:txBody>
+          <a:bodyPr/>
+          <a:lstStyle/>
+          <a:p>
+            <a:endParaRPr lang="en-AU"/>
+          </a:p>
+        </p:txBody>
+      </p:sp>
+      <p:sp>
+        <p:nvSpPr>
+          <p:cNvPr id="3" name="Subtitle 2">
+            <a:extLst>
+              <a:ext uri="{FF2B5EF4-FFF2-40B4-BE49-F238E27FC236}">
+                <a16:creationId xmlns:a16="http://schemas.microsoft.com/office/drawing/2014/main" id="{D48A03CF-4320-663F-624C-F010418B0C3D}"/>
+              </a:ext>
+            </a:extLst>
+          </p:cNvPr>
+          <p:cNvSpPr>
+            <a:spLocks noGrp="1"/>
+          </p:cNvSpPr>
+          <p:nvPr>
+            <p:ph type="subTitle" idx="1"/>
+          </p:nvPr>
+        </p:nvSpPr>
+        <p:spPr/>
+        <p:txBody>
+          <a:bodyPr/>
+          <a:lstStyle/>
+          <a:p>
+            <a:endParaRPr lang="en-AU"/>
+          </a:p>
+        </p:txBody>
+      </p:sp>
+      <p:pic>
+        <p:nvPicPr>
+          <p:cNvPr id="5" name="Picture 4" descr="First move of a chess game">
+            <a:extLst>
+              <a:ext uri="{FF2B5EF4-FFF2-40B4-BE49-F238E27FC236}">
+                <a16:creationId xmlns:a16="http://schemas.microsoft.com/office/drawing/2014/main" id="{41452394-FDFD-D416-E348-6FA164423F96}"/>
+              </a:ext>
+            </a:extLst>
+          </p:cNvPr>
+          <p:cNvPicPr>
+            <a:picLocks noChangeAspect="1"/>
+          </p:cNvPicPr>
+          <p:nvPr/>
+        </p:nvPicPr>
+        <p:blipFill>
+          <a:blip r:embed="rId2">
+            <a:extLst>
+              <a:ext uri="{28A0092B-C50C-407E-A947-70E740481C1C}">
+                <a14:useLocalDpi xmlns:a14="http://schemas.microsoft.com/office/drawing/2010/main" val="0"/>
+              </a:ext>
+            </a:extLst>
+          </a:blip>
+          <a:stretch>
+            <a:fillRect/>
+          </a:stretch>
+        </p:blipFill>
+        <p:spPr>
+          <a:xfrm>
+            <a:off x="277779" y="0"/>
+            <a:ext cx="11636441" cy="6858000"/>
+          </a:xfrm>
+          <a:prstGeom prst="rect">
+            <a:avLst/>
+          </a:prstGeom>
+        </p:spPr>
+      </p:pic>
+      <p:sp>
+        <p:nvSpPr>
+          <p:cNvPr id="6" name="TextBox 5">
+            <a:extLst>
+              <a:ext uri="{FF2B5EF4-FFF2-40B4-BE49-F238E27FC236}">
+                <a16:creationId xmlns:a16="http://schemas.microsoft.com/office/drawing/2014/main" id="{5EBD2F4A-FCB4-FB2B-3F60-9600EF51573B}"/>
+              </a:ext>
+            </a:extLst>
+          </p:cNvPr>
+          <p:cNvSpPr txBox="1"/>
+          <p:nvPr/>
+        </p:nvSpPr>
+        <p:spPr>
+          <a:xfrm>
+            <a:off x="1624715" y="3185776"/>
+            <a:ext cx="8942567" cy="1569660"/>
+          </a:xfrm>
+          <a:prstGeom prst="rect">
+            <a:avLst/>
+          </a:prstGeom>
+          <a:noFill/>
+        </p:spPr>
+        <p:txBody>
+          <a:bodyPr wrap="square" rtlCol="0">
+            <a:spAutoFit/>
+          </a:bodyPr>
+          <a:lstStyle/>
+          <a:p>
+            <a:pPr algn="ctr"/>
+            <a:r>
+              <a:rPr lang="pl-PL" sz="9600" dirty="0">
+                <a:solidFill>
+                  <a:schemeClr val="bg1"/>
+                </a:solidFill>
+                <a:latin typeface="Berlin Sans FB Demi" panose="020E0802020502020306" pitchFamily="34" charset="0"/>
+              </a:rPr>
+              <a:t>CHESS FORGE</a:t>
+            </a:r>
+            <a:endParaRPr lang="en-AU" sz="9600" dirty="0">
+              <a:solidFill>
+                <a:schemeClr val="bg1"/>
+              </a:solidFill>
+              <a:latin typeface="Berlin Sans FB Demi" panose="020E0802020502020306" pitchFamily="34" charset="0"/>
+            </a:endParaRPr>
+          </a:p>
+        </p:txBody>
+      </p:sp>
+    </p:spTree>
+    <p:extLst>
+      <p:ext uri="{BB962C8B-B14F-4D97-AF65-F5344CB8AC3E}">
+        <p14:creationId xmlns:p14="http://schemas.microsoft.com/office/powerpoint/2010/main" val="3728359790"/>
+      </p:ext>
+    </p:extLst>
+  </p:cSld>
+  <p:clrMapOvr>
+    <a:masterClrMapping/>
+  </p:clrMapOvr>
+</p:sld>
+</file>
+
+<file path=ppt/slides/slide3.xml><?xml version="1.0" encoding="utf-8"?>
+<p:sld xmlns:a="http://schemas.openxmlformats.org/drawingml/2006/main" xmlns:r="http://schemas.openxmlformats.org/officeDocument/2006/relationships" xmlns:p="http://schemas.openxmlformats.org/presentationml/2006/main">
+  <p:cSld>
+    <p:spTree>
+      <p:nvGrpSpPr>
+        <p:cNvPr id="1" name=""/>
+        <p:cNvGrpSpPr/>
+        <p:nvPr/>
+      </p:nvGrpSpPr>
+      <p:grpSpPr>
+        <a:xfrm>
+          <a:off x="0" y="0"/>
+          <a:ext cx="0" cy="0"/>
+          <a:chOff x="0" y="0"/>
+          <a:chExt cx="0" cy="0"/>
+        </a:xfrm>
+      </p:grpSpPr>
+      <p:sp>
+        <p:nvSpPr>
           <p:cNvPr id="34" name="Rectangle 33">
             <a:extLst>
               <a:ext uri="{FF2B5EF4-FFF2-40B4-BE49-F238E27FC236}">
@@ -4834,7 +5003,7 @@
 </p:sld>
 </file>
 
-<file path=ppt/slides/slide3.xml><?xml version="1.0" encoding="utf-8"?>
+<file path=ppt/slides/slide4.xml><?xml version="1.0" encoding="utf-8"?>
 <p:sld xmlns:a="http://schemas.openxmlformats.org/drawingml/2006/main" xmlns:r="http://schemas.openxmlformats.org/officeDocument/2006/relationships" xmlns:p="http://schemas.openxmlformats.org/presentationml/2006/main">
   <p:cSld>
     <p:spTree>

--- a/Documentation/MainScreen.pptx
+++ b/Documentation/MainScreen.pptx
@@ -5,10 +5,9 @@
     <p:sldMasterId id="2147483648" r:id="rId1"/>
   </p:sldMasterIdLst>
   <p:sldIdLst>
-    <p:sldId id="256" r:id="rId2"/>
-    <p:sldId id="259" r:id="rId3"/>
-    <p:sldId id="258" r:id="rId4"/>
-    <p:sldId id="257" r:id="rId5"/>
+    <p:sldId id="259" r:id="rId2"/>
+    <p:sldId id="256" r:id="rId3"/>
+    <p:sldId id="260" r:id="rId4"/>
   </p:sldIdLst>
   <p:sldSz cx="12192000" cy="6858000"/>
   <p:notesSz cx="6858000" cy="9144000"/>
@@ -264,7 +263,7 @@
           <a:p>
             <a:fld id="{12403DD5-BA0F-4CF9-9809-F3531374A54B}" type="datetimeFigureOut">
               <a:rPr lang="en-AU" smtClean="0"/>
-              <a:t>15/08/2022</a:t>
+              <a:t>27/08/2022</a:t>
             </a:fld>
             <a:endParaRPr lang="en-AU"/>
           </a:p>
@@ -464,7 +463,7 @@
           <a:p>
             <a:fld id="{12403DD5-BA0F-4CF9-9809-F3531374A54B}" type="datetimeFigureOut">
               <a:rPr lang="en-AU" smtClean="0"/>
-              <a:t>15/08/2022</a:t>
+              <a:t>27/08/2022</a:t>
             </a:fld>
             <a:endParaRPr lang="en-AU"/>
           </a:p>
@@ -674,7 +673,7 @@
           <a:p>
             <a:fld id="{12403DD5-BA0F-4CF9-9809-F3531374A54B}" type="datetimeFigureOut">
               <a:rPr lang="en-AU" smtClean="0"/>
-              <a:t>15/08/2022</a:t>
+              <a:t>27/08/2022</a:t>
             </a:fld>
             <a:endParaRPr lang="en-AU"/>
           </a:p>
@@ -874,7 +873,7 @@
           <a:p>
             <a:fld id="{12403DD5-BA0F-4CF9-9809-F3531374A54B}" type="datetimeFigureOut">
               <a:rPr lang="en-AU" smtClean="0"/>
-              <a:t>15/08/2022</a:t>
+              <a:t>27/08/2022</a:t>
             </a:fld>
             <a:endParaRPr lang="en-AU"/>
           </a:p>
@@ -1150,7 +1149,7 @@
           <a:p>
             <a:fld id="{12403DD5-BA0F-4CF9-9809-F3531374A54B}" type="datetimeFigureOut">
               <a:rPr lang="en-AU" smtClean="0"/>
-              <a:t>15/08/2022</a:t>
+              <a:t>27/08/2022</a:t>
             </a:fld>
             <a:endParaRPr lang="en-AU"/>
           </a:p>
@@ -1418,7 +1417,7 @@
           <a:p>
             <a:fld id="{12403DD5-BA0F-4CF9-9809-F3531374A54B}" type="datetimeFigureOut">
               <a:rPr lang="en-AU" smtClean="0"/>
-              <a:t>15/08/2022</a:t>
+              <a:t>27/08/2022</a:t>
             </a:fld>
             <a:endParaRPr lang="en-AU"/>
           </a:p>
@@ -1833,7 +1832,7 @@
           <a:p>
             <a:fld id="{12403DD5-BA0F-4CF9-9809-F3531374A54B}" type="datetimeFigureOut">
               <a:rPr lang="en-AU" smtClean="0"/>
-              <a:t>15/08/2022</a:t>
+              <a:t>27/08/2022</a:t>
             </a:fld>
             <a:endParaRPr lang="en-AU"/>
           </a:p>
@@ -1975,7 +1974,7 @@
           <a:p>
             <a:fld id="{12403DD5-BA0F-4CF9-9809-F3531374A54B}" type="datetimeFigureOut">
               <a:rPr lang="en-AU" smtClean="0"/>
-              <a:t>15/08/2022</a:t>
+              <a:t>27/08/2022</a:t>
             </a:fld>
             <a:endParaRPr lang="en-AU"/>
           </a:p>
@@ -2088,7 +2087,7 @@
           <a:p>
             <a:fld id="{12403DD5-BA0F-4CF9-9809-F3531374A54B}" type="datetimeFigureOut">
               <a:rPr lang="en-AU" smtClean="0"/>
-              <a:t>15/08/2022</a:t>
+              <a:t>27/08/2022</a:t>
             </a:fld>
             <a:endParaRPr lang="en-AU"/>
           </a:p>
@@ -2401,7 +2400,7 @@
           <a:p>
             <a:fld id="{12403DD5-BA0F-4CF9-9809-F3531374A54B}" type="datetimeFigureOut">
               <a:rPr lang="en-AU" smtClean="0"/>
-              <a:t>15/08/2022</a:t>
+              <a:t>27/08/2022</a:t>
             </a:fld>
             <a:endParaRPr lang="en-AU"/>
           </a:p>
@@ -2690,7 +2689,7 @@
           <a:p>
             <a:fld id="{12403DD5-BA0F-4CF9-9809-F3531374A54B}" type="datetimeFigureOut">
               <a:rPr lang="en-AU" smtClean="0"/>
-              <a:t>15/08/2022</a:t>
+              <a:t>27/08/2022</a:t>
             </a:fld>
             <a:endParaRPr lang="en-AU"/>
           </a:p>
@@ -2933,7 +2932,7 @@
           <a:p>
             <a:fld id="{12403DD5-BA0F-4CF9-9809-F3531374A54B}" type="datetimeFigureOut">
               <a:rPr lang="en-AU" smtClean="0"/>
-              <a:t>15/08/2022</a:t>
+              <a:t>27/08/2022</a:t>
             </a:fld>
             <a:endParaRPr lang="en-AU"/>
           </a:p>
@@ -3350,12 +3349,256 @@
           <a:chExt cx="0" cy="0"/>
         </a:xfrm>
       </p:grpSpPr>
+      <p:sp>
+        <p:nvSpPr>
+          <p:cNvPr id="2" name="Title 1">
+            <a:extLst>
+              <a:ext uri="{FF2B5EF4-FFF2-40B4-BE49-F238E27FC236}">
+                <a16:creationId xmlns:a16="http://schemas.microsoft.com/office/drawing/2014/main" id="{BA91417B-E6E9-4942-B4FB-9DE04F3FA35E}"/>
+              </a:ext>
+            </a:extLst>
+          </p:cNvPr>
+          <p:cNvSpPr>
+            <a:spLocks noGrp="1"/>
+          </p:cNvSpPr>
+          <p:nvPr>
+            <p:ph type="ctrTitle"/>
+          </p:nvPr>
+        </p:nvSpPr>
+        <p:spPr/>
+        <p:txBody>
+          <a:bodyPr/>
+          <a:lstStyle/>
+          <a:p>
+            <a:endParaRPr lang="en-AU"/>
+          </a:p>
+        </p:txBody>
+      </p:sp>
+      <p:sp>
+        <p:nvSpPr>
+          <p:cNvPr id="3" name="Subtitle 2">
+            <a:extLst>
+              <a:ext uri="{FF2B5EF4-FFF2-40B4-BE49-F238E27FC236}">
+                <a16:creationId xmlns:a16="http://schemas.microsoft.com/office/drawing/2014/main" id="{D48A03CF-4320-663F-624C-F010418B0C3D}"/>
+              </a:ext>
+            </a:extLst>
+          </p:cNvPr>
+          <p:cNvSpPr>
+            <a:spLocks noGrp="1"/>
+          </p:cNvSpPr>
+          <p:nvPr>
+            <p:ph type="subTitle" idx="1"/>
+          </p:nvPr>
+        </p:nvSpPr>
+        <p:spPr/>
+        <p:txBody>
+          <a:bodyPr/>
+          <a:lstStyle/>
+          <a:p>
+            <a:endParaRPr lang="en-AU"/>
+          </a:p>
+        </p:txBody>
+      </p:sp>
       <p:pic>
         <p:nvPicPr>
-          <p:cNvPr id="50" name="Picture 49">
-            <a:extLst>
-              <a:ext uri="{FF2B5EF4-FFF2-40B4-BE49-F238E27FC236}">
-                <a16:creationId xmlns:a16="http://schemas.microsoft.com/office/drawing/2014/main" id="{72644B4D-F605-A7DC-EC52-E5995AA0A5B6}"/>
+          <p:cNvPr id="5" name="Picture 4" descr="First move of a chess game">
+            <a:extLst>
+              <a:ext uri="{FF2B5EF4-FFF2-40B4-BE49-F238E27FC236}">
+                <a16:creationId xmlns:a16="http://schemas.microsoft.com/office/drawing/2014/main" id="{41452394-FDFD-D416-E348-6FA164423F96}"/>
+              </a:ext>
+            </a:extLst>
+          </p:cNvPr>
+          <p:cNvPicPr>
+            <a:picLocks noChangeAspect="1"/>
+          </p:cNvPicPr>
+          <p:nvPr/>
+        </p:nvPicPr>
+        <p:blipFill>
+          <a:blip r:embed="rId2">
+            <a:extLst>
+              <a:ext uri="{BEBA8EAE-BF5A-486C-A8C5-ECC9F3942E4B}">
+                <a14:imgProps xmlns:a14="http://schemas.microsoft.com/office/drawing/2010/main">
+                  <a14:imgLayer r:embed="rId3">
+                    <a14:imgEffect>
+                      <a14:artisticBlur radius="50"/>
+                    </a14:imgEffect>
+                  </a14:imgLayer>
+                </a14:imgProps>
+              </a:ext>
+              <a:ext uri="{28A0092B-C50C-407E-A947-70E740481C1C}">
+                <a14:useLocalDpi xmlns:a14="http://schemas.microsoft.com/office/drawing/2010/main" val="0"/>
+              </a:ext>
+            </a:extLst>
+          </a:blip>
+          <a:stretch>
+            <a:fillRect/>
+          </a:stretch>
+        </p:blipFill>
+        <p:spPr>
+          <a:xfrm>
+            <a:off x="277779" y="0"/>
+            <a:ext cx="11636441" cy="6858000"/>
+          </a:xfrm>
+          <a:prstGeom prst="rect">
+            <a:avLst/>
+          </a:prstGeom>
+        </p:spPr>
+      </p:pic>
+      <p:sp>
+        <p:nvSpPr>
+          <p:cNvPr id="6" name="TextBox 5">
+            <a:extLst>
+              <a:ext uri="{FF2B5EF4-FFF2-40B4-BE49-F238E27FC236}">
+                <a16:creationId xmlns:a16="http://schemas.microsoft.com/office/drawing/2014/main" id="{5EBD2F4A-FCB4-FB2B-3F60-9600EF51573B}"/>
+              </a:ext>
+            </a:extLst>
+          </p:cNvPr>
+          <p:cNvSpPr txBox="1"/>
+          <p:nvPr/>
+        </p:nvSpPr>
+        <p:spPr>
+          <a:xfrm>
+            <a:off x="1725433" y="3734824"/>
+            <a:ext cx="8942567" cy="1569660"/>
+          </a:xfrm>
+          <a:prstGeom prst="rect">
+            <a:avLst/>
+          </a:prstGeom>
+          <a:noFill/>
+        </p:spPr>
+        <p:txBody>
+          <a:bodyPr wrap="square" rtlCol="0">
+            <a:spAutoFit/>
+          </a:bodyPr>
+          <a:lstStyle/>
+          <a:p>
+            <a:pPr algn="ctr"/>
+            <a:r>
+              <a:rPr lang="pl-PL" sz="9600" dirty="0">
+                <a:solidFill>
+                  <a:srgbClr val="00B4B4"/>
+                </a:solidFill>
+                <a:latin typeface="Berlin Sans FB Demi" panose="020E0802020502020306" pitchFamily="34" charset="0"/>
+              </a:rPr>
+              <a:t>CHESS FORGE</a:t>
+            </a:r>
+            <a:endParaRPr lang="en-AU" sz="9600" dirty="0">
+              <a:solidFill>
+                <a:srgbClr val="00B4B4"/>
+              </a:solidFill>
+              <a:latin typeface="Berlin Sans FB Demi" panose="020E0802020502020306" pitchFamily="34" charset="0"/>
+            </a:endParaRPr>
+          </a:p>
+        </p:txBody>
+      </p:sp>
+      <p:pic>
+        <p:nvPicPr>
+          <p:cNvPr id="4" name="Picture 3" descr="Icon&#10;&#10;Description automatically generated">
+            <a:extLst>
+              <a:ext uri="{FF2B5EF4-FFF2-40B4-BE49-F238E27FC236}">
+                <a16:creationId xmlns:a16="http://schemas.microsoft.com/office/drawing/2014/main" id="{634C7CF0-99A6-19C3-0EBA-47B05D83E5CB}"/>
+              </a:ext>
+            </a:extLst>
+          </p:cNvPr>
+          <p:cNvPicPr>
+            <a:picLocks noChangeAspect="1"/>
+          </p:cNvPicPr>
+          <p:nvPr/>
+        </p:nvPicPr>
+        <p:blipFill>
+          <a:blip r:embed="rId4">
+            <a:extLst>
+              <a:ext uri="{28A0092B-C50C-407E-A947-70E740481C1C}">
+                <a14:useLocalDpi xmlns:a14="http://schemas.microsoft.com/office/drawing/2010/main" val="0"/>
+              </a:ext>
+            </a:extLst>
+          </a:blip>
+          <a:stretch>
+            <a:fillRect/>
+          </a:stretch>
+        </p:blipFill>
+        <p:spPr>
+          <a:xfrm flipH="1">
+            <a:off x="1524000" y="869557"/>
+            <a:ext cx="2317268" cy="2317268"/>
+          </a:xfrm>
+          <a:prstGeom prst="rect">
+            <a:avLst/>
+          </a:prstGeom>
+        </p:spPr>
+      </p:pic>
+      <p:pic>
+        <p:nvPicPr>
+          <p:cNvPr id="8" name="Picture 7" descr="Icon&#10;&#10;Description automatically generated">
+            <a:extLst>
+              <a:ext uri="{FF2B5EF4-FFF2-40B4-BE49-F238E27FC236}">
+                <a16:creationId xmlns:a16="http://schemas.microsoft.com/office/drawing/2014/main" id="{56964266-EEB3-7693-5975-16589CECCEE8}"/>
+              </a:ext>
+            </a:extLst>
+          </p:cNvPr>
+          <p:cNvPicPr>
+            <a:picLocks noChangeAspect="1"/>
+          </p:cNvPicPr>
+          <p:nvPr/>
+        </p:nvPicPr>
+        <p:blipFill>
+          <a:blip r:embed="rId5">
+            <a:extLst>
+              <a:ext uri="{28A0092B-C50C-407E-A947-70E740481C1C}">
+                <a14:useLocalDpi xmlns:a14="http://schemas.microsoft.com/office/drawing/2010/main" val="0"/>
+              </a:ext>
+            </a:extLst>
+          </a:blip>
+          <a:stretch>
+            <a:fillRect/>
+          </a:stretch>
+        </p:blipFill>
+        <p:spPr>
+          <a:xfrm>
+            <a:off x="8576496" y="869557"/>
+            <a:ext cx="2317268" cy="2317268"/>
+          </a:xfrm>
+          <a:prstGeom prst="rect">
+            <a:avLst/>
+          </a:prstGeom>
+        </p:spPr>
+      </p:pic>
+    </p:spTree>
+    <p:extLst>
+      <p:ext uri="{BB962C8B-B14F-4D97-AF65-F5344CB8AC3E}">
+        <p14:creationId xmlns:p14="http://schemas.microsoft.com/office/powerpoint/2010/main" val="3728359790"/>
+      </p:ext>
+    </p:extLst>
+  </p:cSld>
+  <p:clrMapOvr>
+    <a:masterClrMapping/>
+  </p:clrMapOvr>
+</p:sld>
+</file>
+
+<file path=ppt/slides/slide2.xml><?xml version="1.0" encoding="utf-8"?>
+<p:sld xmlns:a="http://schemas.openxmlformats.org/drawingml/2006/main" xmlns:r="http://schemas.openxmlformats.org/officeDocument/2006/relationships" xmlns:p="http://schemas.openxmlformats.org/presentationml/2006/main">
+  <p:cSld>
+    <p:spTree>
+      <p:nvGrpSpPr>
+        <p:cNvPr id="1" name=""/>
+        <p:cNvGrpSpPr/>
+        <p:nvPr/>
+      </p:nvGrpSpPr>
+      <p:grpSpPr>
+        <a:xfrm>
+          <a:off x="0" y="0"/>
+          <a:ext cx="0" cy="0"/>
+          <a:chOff x="0" y="0"/>
+          <a:chExt cx="0" cy="0"/>
+        </a:xfrm>
+      </p:grpSpPr>
+      <p:pic>
+        <p:nvPicPr>
+          <p:cNvPr id="12" name="Picture 11">
+            <a:extLst>
+              <a:ext uri="{FF2B5EF4-FFF2-40B4-BE49-F238E27FC236}">
+                <a16:creationId xmlns:a16="http://schemas.microsoft.com/office/drawing/2014/main" id="{7897287B-28CF-961C-4028-89023F4ED27D}"/>
               </a:ext>
             </a:extLst>
           </p:cNvPr>
@@ -3372,8 +3615,8 @@
         </p:blipFill>
         <p:spPr>
           <a:xfrm>
-            <a:off x="2059267" y="1289622"/>
-            <a:ext cx="7373102" cy="4278755"/>
+            <a:off x="1382256" y="1007312"/>
+            <a:ext cx="8894256" cy="4802038"/>
           </a:xfrm>
           <a:prstGeom prst="rect">
             <a:avLst/>
@@ -3394,7 +3637,7 @@
         </p:nvSpPr>
         <p:spPr>
           <a:xfrm>
-            <a:off x="488068" y="524627"/>
+            <a:off x="246474" y="510020"/>
             <a:ext cx="2271563" cy="369332"/>
           </a:xfrm>
           <a:prstGeom prst="rect">
@@ -3417,25 +3660,106 @@
           </a:p>
         </p:txBody>
       </p:sp>
+      <p:sp>
+        <p:nvSpPr>
+          <p:cNvPr id="62" name="TextBox 61">
+            <a:extLst>
+              <a:ext uri="{FF2B5EF4-FFF2-40B4-BE49-F238E27FC236}">
+                <a16:creationId xmlns:a16="http://schemas.microsoft.com/office/drawing/2014/main" id="{EBDA274A-19B4-14AA-6123-3DF556B6DCD2}"/>
+              </a:ext>
+            </a:extLst>
+          </p:cNvPr>
+          <p:cNvSpPr txBox="1"/>
+          <p:nvPr/>
+        </p:nvSpPr>
+        <p:spPr>
+          <a:xfrm>
+            <a:off x="9050749" y="510020"/>
+            <a:ext cx="2451523" cy="369332"/>
+          </a:xfrm>
+          <a:prstGeom prst="rect">
+            <a:avLst/>
+          </a:prstGeom>
+          <a:noFill/>
+        </p:spPr>
+        <p:txBody>
+          <a:bodyPr wrap="square" rtlCol="0">
+            <a:spAutoFit/>
+          </a:bodyPr>
+          <a:lstStyle/>
+          <a:p>
+            <a:pPr algn="ctr"/>
+            <a:r>
+              <a:rPr lang="en-US" dirty="0"/>
+              <a:t>Workbook</a:t>
+            </a:r>
+            <a:endParaRPr lang="en-AU" dirty="0"/>
+          </a:p>
+        </p:txBody>
+      </p:sp>
+      <p:sp>
+        <p:nvSpPr>
+          <p:cNvPr id="73" name="TextBox 72">
+            <a:extLst>
+              <a:ext uri="{FF2B5EF4-FFF2-40B4-BE49-F238E27FC236}">
+                <a16:creationId xmlns:a16="http://schemas.microsoft.com/office/drawing/2014/main" id="{BABDED32-3D18-79E0-4244-DC036BA9DD40}"/>
+              </a:ext>
+            </a:extLst>
+          </p:cNvPr>
+          <p:cNvSpPr txBox="1"/>
+          <p:nvPr/>
+        </p:nvSpPr>
+        <p:spPr>
+          <a:xfrm>
+            <a:off x="4034819" y="5937310"/>
+            <a:ext cx="2546956" cy="553998"/>
+          </a:xfrm>
+          <a:prstGeom prst="rect">
+            <a:avLst/>
+          </a:prstGeom>
+          <a:noFill/>
+        </p:spPr>
+        <p:txBody>
+          <a:bodyPr wrap="square" rtlCol="0">
+            <a:spAutoFit/>
+          </a:bodyPr>
+          <a:lstStyle/>
+          <a:p>
+            <a:pPr algn="ctr"/>
+            <a:r>
+              <a:rPr lang="en-US" dirty="0"/>
+              <a:t>Active Line</a:t>
+            </a:r>
+          </a:p>
+          <a:p>
+            <a:pPr algn="ctr"/>
+            <a:r>
+              <a:rPr lang="en-US" sz="1200" dirty="0"/>
+              <a:t>(with optional evaluations)</a:t>
+            </a:r>
+            <a:endParaRPr lang="en-AU" sz="1200" dirty="0"/>
+          </a:p>
+        </p:txBody>
+      </p:sp>
       <p:cxnSp>
         <p:nvCxnSpPr>
-          <p:cNvPr id="59" name="Straight Arrow Connector 58">
-            <a:extLst>
-              <a:ext uri="{FF2B5EF4-FFF2-40B4-BE49-F238E27FC236}">
-                <a16:creationId xmlns:a16="http://schemas.microsoft.com/office/drawing/2014/main" id="{550FAB55-92B0-9D7A-7AC6-EC4C17797996}"/>
+          <p:cNvPr id="74" name="Straight Arrow Connector 73">
+            <a:extLst>
+              <a:ext uri="{FF2B5EF4-FFF2-40B4-BE49-F238E27FC236}">
+                <a16:creationId xmlns:a16="http://schemas.microsoft.com/office/drawing/2014/main" id="{01C7EF6C-B7BE-7199-B92D-69BE99678B78}"/>
               </a:ext>
             </a:extLst>
           </p:cNvPr>
           <p:cNvCxnSpPr>
             <a:cxnSpLocks/>
-            <a:stCxn id="51" idx="2"/>
+            <a:stCxn id="73" idx="0"/>
           </p:cNvCxnSpPr>
           <p:nvPr/>
         </p:nvCxnSpPr>
         <p:spPr>
-          <a:xfrm>
-            <a:off x="1623850" y="893959"/>
-            <a:ext cx="789412" cy="501208"/>
+          <a:xfrm flipV="1">
+            <a:off x="5308297" y="3219450"/>
+            <a:ext cx="301928" cy="2717860"/>
           </a:xfrm>
           <a:prstGeom prst="straightConnector1">
             <a:avLst/>
@@ -3459,43 +3783,6 @@
           </a:fontRef>
         </p:style>
       </p:cxnSp>
-      <p:sp>
-        <p:nvSpPr>
-          <p:cNvPr id="62" name="TextBox 61">
-            <a:extLst>
-              <a:ext uri="{FF2B5EF4-FFF2-40B4-BE49-F238E27FC236}">
-                <a16:creationId xmlns:a16="http://schemas.microsoft.com/office/drawing/2014/main" id="{EBDA274A-19B4-14AA-6123-3DF556B6DCD2}"/>
-              </a:ext>
-            </a:extLst>
-          </p:cNvPr>
-          <p:cNvSpPr txBox="1"/>
-          <p:nvPr/>
-        </p:nvSpPr>
-        <p:spPr>
-          <a:xfrm>
-            <a:off x="8898349" y="709293"/>
-            <a:ext cx="2451523" cy="369332"/>
-          </a:xfrm>
-          <a:prstGeom prst="rect">
-            <a:avLst/>
-          </a:prstGeom>
-          <a:noFill/>
-        </p:spPr>
-        <p:txBody>
-          <a:bodyPr wrap="square" rtlCol="0">
-            <a:spAutoFit/>
-          </a:bodyPr>
-          <a:lstStyle/>
-          <a:p>
-            <a:pPr algn="ctr"/>
-            <a:r>
-              <a:rPr lang="en-US" dirty="0"/>
-              <a:t>Sideboards</a:t>
-            </a:r>
-            <a:endParaRPr lang="en-AU" dirty="0"/>
-          </a:p>
-        </p:txBody>
-      </p:sp>
       <p:cxnSp>
         <p:nvCxnSpPr>
           <p:cNvPr id="63" name="Straight Arrow Connector 62">
@@ -3513,8 +3800,8 @@
         </p:nvCxnSpPr>
         <p:spPr>
           <a:xfrm flipH="1">
-            <a:off x="9257122" y="1078625"/>
-            <a:ext cx="866989" cy="457944"/>
+            <a:off x="8201025" y="879352"/>
+            <a:ext cx="2075486" cy="1149473"/>
           </a:xfrm>
           <a:prstGeom prst="straightConnector1">
             <a:avLst/>
@@ -3538,62 +3825,25 @@
           </a:fontRef>
         </p:style>
       </p:cxnSp>
-      <p:sp>
-        <p:nvSpPr>
-          <p:cNvPr id="66" name="TextBox 65">
-            <a:extLst>
-              <a:ext uri="{FF2B5EF4-FFF2-40B4-BE49-F238E27FC236}">
-                <a16:creationId xmlns:a16="http://schemas.microsoft.com/office/drawing/2014/main" id="{28CB4973-8D95-AEB0-F682-CF67C6493607}"/>
-              </a:ext>
-            </a:extLst>
-          </p:cNvPr>
-          <p:cNvSpPr txBox="1"/>
-          <p:nvPr/>
-        </p:nvSpPr>
-        <p:spPr>
-          <a:xfrm>
-            <a:off x="231743" y="5468404"/>
-            <a:ext cx="2271563" cy="369332"/>
-          </a:xfrm>
-          <a:prstGeom prst="rect">
-            <a:avLst/>
-          </a:prstGeom>
-          <a:noFill/>
-        </p:spPr>
-        <p:txBody>
-          <a:bodyPr wrap="square" rtlCol="0">
-            <a:spAutoFit/>
-          </a:bodyPr>
-          <a:lstStyle/>
-          <a:p>
-            <a:pPr algn="ctr"/>
-            <a:r>
-              <a:rPr lang="en-US" dirty="0"/>
-              <a:t>Full Tree Text</a:t>
-            </a:r>
-            <a:endParaRPr lang="en-AU" dirty="0"/>
-          </a:p>
-        </p:txBody>
-      </p:sp>
       <p:cxnSp>
         <p:nvCxnSpPr>
-          <p:cNvPr id="67" name="Straight Arrow Connector 66">
-            <a:extLst>
-              <a:ext uri="{FF2B5EF4-FFF2-40B4-BE49-F238E27FC236}">
-                <a16:creationId xmlns:a16="http://schemas.microsoft.com/office/drawing/2014/main" id="{74760464-1595-EFC3-80F8-9E4DE3817BB7}"/>
+          <p:cNvPr id="59" name="Straight Arrow Connector 58">
+            <a:extLst>
+              <a:ext uri="{FF2B5EF4-FFF2-40B4-BE49-F238E27FC236}">
+                <a16:creationId xmlns:a16="http://schemas.microsoft.com/office/drawing/2014/main" id="{550FAB55-92B0-9D7A-7AC6-EC4C17797996}"/>
               </a:ext>
             </a:extLst>
           </p:cNvPr>
           <p:cNvCxnSpPr>
             <a:cxnSpLocks/>
-            <a:stCxn id="66" idx="0"/>
+            <a:stCxn id="51" idx="2"/>
           </p:cNvCxnSpPr>
           <p:nvPr/>
         </p:nvCxnSpPr>
         <p:spPr>
-          <a:xfrm flipV="1">
-            <a:off x="1367525" y="4411744"/>
-            <a:ext cx="1045737" cy="1056660"/>
+          <a:xfrm>
+            <a:off x="1382256" y="879352"/>
+            <a:ext cx="1494554" cy="1397123"/>
           </a:xfrm>
           <a:prstGeom prst="straightConnector1">
             <a:avLst/>
@@ -3619,10 +3869,10 @@
       </p:cxnSp>
       <p:sp>
         <p:nvSpPr>
-          <p:cNvPr id="73" name="TextBox 72">
-            <a:extLst>
-              <a:ext uri="{FF2B5EF4-FFF2-40B4-BE49-F238E27FC236}">
-                <a16:creationId xmlns:a16="http://schemas.microsoft.com/office/drawing/2014/main" id="{BABDED32-3D18-79E0-4244-DC036BA9DD40}"/>
+          <p:cNvPr id="14" name="TextBox 13">
+            <a:extLst>
+              <a:ext uri="{FF2B5EF4-FFF2-40B4-BE49-F238E27FC236}">
+                <a16:creationId xmlns:a16="http://schemas.microsoft.com/office/drawing/2014/main" id="{C062A7A2-275B-E05A-A540-B6B4F5424E91}"/>
               </a:ext>
             </a:extLst>
           </p:cNvPr>
@@ -3631,8 +3881,8 @@
         </p:nvSpPr>
         <p:spPr>
           <a:xfrm>
-            <a:off x="3549044" y="5653070"/>
-            <a:ext cx="2546956" cy="553998"/>
+            <a:off x="408399" y="6049314"/>
+            <a:ext cx="2271563" cy="369332"/>
           </a:xfrm>
           <a:prstGeom prst="rect">
             <a:avLst/>
@@ -3648,120 +3898,31 @@
             <a:pPr algn="ctr"/>
             <a:r>
               <a:rPr lang="en-US" dirty="0"/>
-              <a:t>Line on the Main Board</a:t>
-            </a:r>
-          </a:p>
-          <a:p>
-            <a:pPr algn="ctr"/>
-            <a:r>
-              <a:rPr lang="en-US" sz="1200" dirty="0"/>
-              <a:t>(with optional evaluations)</a:t>
-            </a:r>
-            <a:endParaRPr lang="en-AU" sz="1200" dirty="0"/>
+              <a:t>Messages</a:t>
+            </a:r>
+            <a:endParaRPr lang="en-AU" dirty="0"/>
           </a:p>
         </p:txBody>
       </p:sp>
       <p:cxnSp>
         <p:nvCxnSpPr>
-          <p:cNvPr id="74" name="Straight Arrow Connector 73">
-            <a:extLst>
-              <a:ext uri="{FF2B5EF4-FFF2-40B4-BE49-F238E27FC236}">
-                <a16:creationId xmlns:a16="http://schemas.microsoft.com/office/drawing/2014/main" id="{01C7EF6C-B7BE-7199-B92D-69BE99678B78}"/>
+          <p:cNvPr id="15" name="Straight Arrow Connector 14">
+            <a:extLst>
+              <a:ext uri="{FF2B5EF4-FFF2-40B4-BE49-F238E27FC236}">
+                <a16:creationId xmlns:a16="http://schemas.microsoft.com/office/drawing/2014/main" id="{46BCF48D-AC60-903C-5337-125C483E566C}"/>
               </a:ext>
             </a:extLst>
           </p:cNvPr>
           <p:cNvCxnSpPr>
             <a:cxnSpLocks/>
-            <a:stCxn id="73" idx="0"/>
+            <a:stCxn id="14" idx="0"/>
           </p:cNvCxnSpPr>
           <p:nvPr/>
         </p:nvCxnSpPr>
         <p:spPr>
           <a:xfrm flipV="1">
-            <a:off x="4822522" y="5033913"/>
-            <a:ext cx="126550" cy="619157"/>
-          </a:xfrm>
-          <a:prstGeom prst="straightConnector1">
-            <a:avLst/>
-          </a:prstGeom>
-          <a:ln w="38100">
-            <a:tailEnd type="triangle"/>
-          </a:ln>
-        </p:spPr>
-        <p:style>
-          <a:lnRef idx="1">
-            <a:schemeClr val="accent1"/>
-          </a:lnRef>
-          <a:fillRef idx="0">
-            <a:schemeClr val="accent1"/>
-          </a:fillRef>
-          <a:effectRef idx="0">
-            <a:schemeClr val="accent1"/>
-          </a:effectRef>
-          <a:fontRef idx="minor">
-            <a:schemeClr val="tx1"/>
-          </a:fontRef>
-        </p:style>
-      </p:cxnSp>
-      <p:sp>
-        <p:nvSpPr>
-          <p:cNvPr id="78" name="TextBox 77">
-            <a:extLst>
-              <a:ext uri="{FF2B5EF4-FFF2-40B4-BE49-F238E27FC236}">
-                <a16:creationId xmlns:a16="http://schemas.microsoft.com/office/drawing/2014/main" id="{41F27368-62E8-8018-CBC9-2DA56B30C642}"/>
-              </a:ext>
-            </a:extLst>
-          </p:cNvPr>
-          <p:cNvSpPr txBox="1"/>
-          <p:nvPr/>
-        </p:nvSpPr>
-        <p:spPr>
-          <a:xfrm>
-            <a:off x="7881176" y="4506012"/>
-            <a:ext cx="2451523" cy="523220"/>
-          </a:xfrm>
-          <a:prstGeom prst="rect">
-            <a:avLst/>
-          </a:prstGeom>
-          <a:noFill/>
-        </p:spPr>
-        <p:txBody>
-          <a:bodyPr wrap="square" rtlCol="0">
-            <a:spAutoFit/>
-          </a:bodyPr>
-          <a:lstStyle/>
-          <a:p>
-            <a:pPr algn="ctr"/>
-            <a:r>
-              <a:rPr lang="en-US" sz="1000" dirty="0"/>
-              <a:t>Optional sideboard if a training game with the computer is in progress</a:t>
-            </a:r>
-            <a:r>
-              <a:rPr lang="en-US" dirty="0"/>
-              <a:t> </a:t>
-            </a:r>
-            <a:endParaRPr lang="en-AU" dirty="0"/>
-          </a:p>
-        </p:txBody>
-      </p:sp>
-      <p:cxnSp>
-        <p:nvCxnSpPr>
-          <p:cNvPr id="79" name="Straight Arrow Connector 78">
-            <a:extLst>
-              <a:ext uri="{FF2B5EF4-FFF2-40B4-BE49-F238E27FC236}">
-                <a16:creationId xmlns:a16="http://schemas.microsoft.com/office/drawing/2014/main" id="{6888B340-0240-0434-562A-E0C5F3832A83}"/>
-              </a:ext>
-            </a:extLst>
-          </p:cNvPr>
-          <p:cNvCxnSpPr>
-            <a:cxnSpLocks/>
-          </p:cNvCxnSpPr>
-          <p:nvPr/>
-        </p:nvCxnSpPr>
-        <p:spPr>
-          <a:xfrm flipH="1">
-            <a:off x="7088957" y="4710137"/>
-            <a:ext cx="805647" cy="0"/>
+            <a:off x="1544181" y="5512680"/>
+            <a:ext cx="646569" cy="536634"/>
           </a:xfrm>
           <a:prstGeom prst="straightConnector1">
             <a:avLst/>
@@ -3798,169 +3959,6 @@
 </p:sld>
 </file>
 
-<file path=ppt/slides/slide2.xml><?xml version="1.0" encoding="utf-8"?>
-<p:sld xmlns:a="http://schemas.openxmlformats.org/drawingml/2006/main" xmlns:r="http://schemas.openxmlformats.org/officeDocument/2006/relationships" xmlns:p="http://schemas.openxmlformats.org/presentationml/2006/main">
-  <p:cSld>
-    <p:spTree>
-      <p:nvGrpSpPr>
-        <p:cNvPr id="1" name=""/>
-        <p:cNvGrpSpPr/>
-        <p:nvPr/>
-      </p:nvGrpSpPr>
-      <p:grpSpPr>
-        <a:xfrm>
-          <a:off x="0" y="0"/>
-          <a:ext cx="0" cy="0"/>
-          <a:chOff x="0" y="0"/>
-          <a:chExt cx="0" cy="0"/>
-        </a:xfrm>
-      </p:grpSpPr>
-      <p:sp>
-        <p:nvSpPr>
-          <p:cNvPr id="2" name="Title 1">
-            <a:extLst>
-              <a:ext uri="{FF2B5EF4-FFF2-40B4-BE49-F238E27FC236}">
-                <a16:creationId xmlns:a16="http://schemas.microsoft.com/office/drawing/2014/main" id="{BA91417B-E6E9-4942-B4FB-9DE04F3FA35E}"/>
-              </a:ext>
-            </a:extLst>
-          </p:cNvPr>
-          <p:cNvSpPr>
-            <a:spLocks noGrp="1"/>
-          </p:cNvSpPr>
-          <p:nvPr>
-            <p:ph type="ctrTitle"/>
-          </p:nvPr>
-        </p:nvSpPr>
-        <p:spPr/>
-        <p:txBody>
-          <a:bodyPr/>
-          <a:lstStyle/>
-          <a:p>
-            <a:endParaRPr lang="en-AU"/>
-          </a:p>
-        </p:txBody>
-      </p:sp>
-      <p:sp>
-        <p:nvSpPr>
-          <p:cNvPr id="3" name="Subtitle 2">
-            <a:extLst>
-              <a:ext uri="{FF2B5EF4-FFF2-40B4-BE49-F238E27FC236}">
-                <a16:creationId xmlns:a16="http://schemas.microsoft.com/office/drawing/2014/main" id="{D48A03CF-4320-663F-624C-F010418B0C3D}"/>
-              </a:ext>
-            </a:extLst>
-          </p:cNvPr>
-          <p:cNvSpPr>
-            <a:spLocks noGrp="1"/>
-          </p:cNvSpPr>
-          <p:nvPr>
-            <p:ph type="subTitle" idx="1"/>
-          </p:nvPr>
-        </p:nvSpPr>
-        <p:spPr/>
-        <p:txBody>
-          <a:bodyPr/>
-          <a:lstStyle/>
-          <a:p>
-            <a:endParaRPr lang="en-AU"/>
-          </a:p>
-        </p:txBody>
-      </p:sp>
-      <p:pic>
-        <p:nvPicPr>
-          <p:cNvPr id="5" name="Picture 4" descr="First move of a chess game">
-            <a:extLst>
-              <a:ext uri="{FF2B5EF4-FFF2-40B4-BE49-F238E27FC236}">
-                <a16:creationId xmlns:a16="http://schemas.microsoft.com/office/drawing/2014/main" id="{41452394-FDFD-D416-E348-6FA164423F96}"/>
-              </a:ext>
-            </a:extLst>
-          </p:cNvPr>
-          <p:cNvPicPr>
-            <a:picLocks noChangeAspect="1"/>
-          </p:cNvPicPr>
-          <p:nvPr/>
-        </p:nvPicPr>
-        <p:blipFill>
-          <a:blip r:embed="rId2">
-            <a:extLst>
-              <a:ext uri="{28A0092B-C50C-407E-A947-70E740481C1C}">
-                <a14:useLocalDpi xmlns:a14="http://schemas.microsoft.com/office/drawing/2010/main" val="0"/>
-              </a:ext>
-            </a:extLst>
-          </a:blip>
-          <a:stretch>
-            <a:fillRect/>
-          </a:stretch>
-        </p:blipFill>
-        <p:spPr>
-          <a:xfrm>
-            <a:off x="277779" y="0"/>
-            <a:ext cx="11636441" cy="6858000"/>
-          </a:xfrm>
-          <a:prstGeom prst="rect">
-            <a:avLst/>
-          </a:prstGeom>
-        </p:spPr>
-      </p:pic>
-      <p:sp>
-        <p:nvSpPr>
-          <p:cNvPr id="6" name="TextBox 5">
-            <a:extLst>
-              <a:ext uri="{FF2B5EF4-FFF2-40B4-BE49-F238E27FC236}">
-                <a16:creationId xmlns:a16="http://schemas.microsoft.com/office/drawing/2014/main" id="{5EBD2F4A-FCB4-FB2B-3F60-9600EF51573B}"/>
-              </a:ext>
-            </a:extLst>
-          </p:cNvPr>
-          <p:cNvSpPr txBox="1"/>
-          <p:nvPr/>
-        </p:nvSpPr>
-        <p:spPr>
-          <a:xfrm>
-            <a:off x="1624715" y="3185776"/>
-            <a:ext cx="8942567" cy="1569660"/>
-          </a:xfrm>
-          <a:prstGeom prst="rect">
-            <a:avLst/>
-          </a:prstGeom>
-          <a:noFill/>
-        </p:spPr>
-        <p:txBody>
-          <a:bodyPr wrap="square" rtlCol="0">
-            <a:spAutoFit/>
-          </a:bodyPr>
-          <a:lstStyle/>
-          <a:p>
-            <a:pPr algn="ctr"/>
-            <a:r>
-              <a:rPr lang="pl-PL" sz="9600" dirty="0">
-                <a:solidFill>
-                  <a:schemeClr val="bg1"/>
-                </a:solidFill>
-                <a:latin typeface="Berlin Sans FB Demi" panose="020E0802020502020306" pitchFamily="34" charset="0"/>
-              </a:rPr>
-              <a:t>CHESS FORGE</a:t>
-            </a:r>
-            <a:endParaRPr lang="en-AU" sz="9600" dirty="0">
-              <a:solidFill>
-                <a:schemeClr val="bg1"/>
-              </a:solidFill>
-              <a:latin typeface="Berlin Sans FB Demi" panose="020E0802020502020306" pitchFamily="34" charset="0"/>
-            </a:endParaRPr>
-          </a:p>
-        </p:txBody>
-      </p:sp>
-    </p:spTree>
-    <p:extLst>
-      <p:ext uri="{BB962C8B-B14F-4D97-AF65-F5344CB8AC3E}">
-        <p14:creationId xmlns:p14="http://schemas.microsoft.com/office/powerpoint/2010/main" val="3728359790"/>
-      </p:ext>
-    </p:extLst>
-  </p:cSld>
-  <p:clrMapOvr>
-    <a:masterClrMapping/>
-  </p:clrMapOvr>
-</p:sld>
-</file>
-
 <file path=ppt/slides/slide3.xml><?xml version="1.0" encoding="utf-8"?>
 <p:sld xmlns:a="http://schemas.openxmlformats.org/drawingml/2006/main" xmlns:r="http://schemas.openxmlformats.org/officeDocument/2006/relationships" xmlns:p="http://schemas.openxmlformats.org/presentationml/2006/main">
   <p:cSld>
@@ -3978,2068 +3976,118 @@
           <a:chExt cx="0" cy="0"/>
         </a:xfrm>
       </p:grpSpPr>
-      <p:sp>
-        <p:nvSpPr>
-          <p:cNvPr id="34" name="Rectangle 33">
-            <a:extLst>
-              <a:ext uri="{FF2B5EF4-FFF2-40B4-BE49-F238E27FC236}">
-                <a16:creationId xmlns:a16="http://schemas.microsoft.com/office/drawing/2014/main" id="{F7AE23BF-F9BE-322B-AE6F-8C0BFF612DE5}"/>
-              </a:ext>
-            </a:extLst>
-          </p:cNvPr>
-          <p:cNvSpPr/>
+      <p:pic>
+        <p:nvPicPr>
+          <p:cNvPr id="3" name="Picture 2">
+            <a:extLst>
+              <a:ext uri="{FF2B5EF4-FFF2-40B4-BE49-F238E27FC236}">
+                <a16:creationId xmlns:a16="http://schemas.microsoft.com/office/drawing/2014/main" id="{8179E97C-5FF1-F17E-1F86-2420E686CA12}"/>
+              </a:ext>
+            </a:extLst>
+          </p:cNvPr>
+          <p:cNvPicPr>
+            <a:picLocks noChangeAspect="1"/>
+          </p:cNvPicPr>
           <p:nvPr/>
-        </p:nvSpPr>
+        </p:nvPicPr>
+        <p:blipFill rotWithShape="1">
+          <a:blip r:embed="rId2"/>
+          <a:srcRect l="33151" r="979" b="14565"/>
+          <a:stretch/>
+        </p:blipFill>
         <p:spPr>
           <a:xfrm>
-            <a:off x="414776" y="3555969"/>
-            <a:ext cx="3053187" cy="2486714"/>
+            <a:off x="2866543" y="951562"/>
+            <a:ext cx="6372225" cy="4477688"/>
           </a:xfrm>
           <a:prstGeom prst="rect">
             <a:avLst/>
           </a:prstGeom>
-          <a:solidFill>
-            <a:schemeClr val="accent1">
-              <a:lumMod val="20000"/>
-              <a:lumOff val="80000"/>
-            </a:schemeClr>
-          </a:solidFill>
+        </p:spPr>
+      </p:pic>
+      <p:sp>
+        <p:nvSpPr>
+          <p:cNvPr id="62" name="TextBox 61">
+            <a:extLst>
+              <a:ext uri="{FF2B5EF4-FFF2-40B4-BE49-F238E27FC236}">
+                <a16:creationId xmlns:a16="http://schemas.microsoft.com/office/drawing/2014/main" id="{EBDA274A-19B4-14AA-6123-3DF556B6DCD2}"/>
+              </a:ext>
+            </a:extLst>
+          </p:cNvPr>
+          <p:cNvSpPr txBox="1"/>
+          <p:nvPr/>
+        </p:nvSpPr>
+        <p:spPr>
+          <a:xfrm>
+            <a:off x="9050749" y="510020"/>
+            <a:ext cx="2451523" cy="369332"/>
+          </a:xfrm>
+          <a:prstGeom prst="rect">
+            <a:avLst/>
+          </a:prstGeom>
+          <a:noFill/>
+        </p:spPr>
+        <p:txBody>
+          <a:bodyPr wrap="square" rtlCol="0">
+            <a:spAutoFit/>
+          </a:bodyPr>
+          <a:lstStyle/>
+          <a:p>
+            <a:pPr algn="ctr"/>
+            <a:r>
+              <a:rPr lang="en-US" dirty="0"/>
+              <a:t>Bookmarks</a:t>
+            </a:r>
+            <a:endParaRPr lang="en-AU" dirty="0"/>
+          </a:p>
+        </p:txBody>
+      </p:sp>
+      <p:cxnSp>
+        <p:nvCxnSpPr>
+          <p:cNvPr id="63" name="Straight Arrow Connector 62">
+            <a:extLst>
+              <a:ext uri="{FF2B5EF4-FFF2-40B4-BE49-F238E27FC236}">
+                <a16:creationId xmlns:a16="http://schemas.microsoft.com/office/drawing/2014/main" id="{3C0CE659-DEBA-CE01-FB08-6DBF1F7B3438}"/>
+              </a:ext>
+            </a:extLst>
+          </p:cNvPr>
+          <p:cNvCxnSpPr>
+            <a:cxnSpLocks/>
+            <a:stCxn id="62" idx="2"/>
+          </p:cNvCxnSpPr>
+          <p:nvPr/>
+        </p:nvCxnSpPr>
+        <p:spPr>
+          <a:xfrm flipH="1">
+            <a:off x="8886825" y="879352"/>
+            <a:ext cx="1389686" cy="711323"/>
+          </a:xfrm>
+          <a:prstGeom prst="straightConnector1">
+            <a:avLst/>
+          </a:prstGeom>
+          <a:ln w="38100">
+            <a:tailEnd type="triangle"/>
+          </a:ln>
         </p:spPr>
         <p:style>
-          <a:lnRef idx="2">
-            <a:schemeClr val="accent1">
-              <a:shade val="50000"/>
-            </a:schemeClr>
+          <a:lnRef idx="1">
+            <a:schemeClr val="accent1"/>
           </a:lnRef>
-          <a:fillRef idx="1">
+          <a:fillRef idx="0">
             <a:schemeClr val="accent1"/>
           </a:fillRef>
           <a:effectRef idx="0">
             <a:schemeClr val="accent1"/>
           </a:effectRef>
           <a:fontRef idx="minor">
-            <a:schemeClr val="lt1"/>
+            <a:schemeClr val="tx1"/>
           </a:fontRef>
         </p:style>
-        <p:txBody>
-          <a:bodyPr rtlCol="0" anchor="ctr"/>
-          <a:lstStyle/>
-          <a:p>
-            <a:pPr algn="ctr"/>
-            <a:endParaRPr lang="en-AU"/>
-          </a:p>
-        </p:txBody>
-      </p:sp>
-      <p:sp>
-        <p:nvSpPr>
-          <p:cNvPr id="32" name="Rectangle 31">
-            <a:extLst>
-              <a:ext uri="{FF2B5EF4-FFF2-40B4-BE49-F238E27FC236}">
-                <a16:creationId xmlns:a16="http://schemas.microsoft.com/office/drawing/2014/main" id="{4E2A4BCE-3091-89A6-196B-ADF658926A3C}"/>
-              </a:ext>
-            </a:extLst>
-          </p:cNvPr>
-          <p:cNvSpPr/>
-          <p:nvPr/>
-        </p:nvSpPr>
-        <p:spPr>
-          <a:xfrm>
-            <a:off x="3768918" y="450523"/>
-            <a:ext cx="1816356" cy="5592160"/>
-          </a:xfrm>
-          <a:prstGeom prst="rect">
-            <a:avLst/>
-          </a:prstGeom>
-          <a:solidFill>
-            <a:schemeClr val="bg2"/>
-          </a:solidFill>
-          <a:ln>
-            <a:solidFill>
-              <a:schemeClr val="bg2">
-                <a:lumMod val="50000"/>
-              </a:schemeClr>
-            </a:solidFill>
-          </a:ln>
-        </p:spPr>
-        <p:style>
-          <a:lnRef idx="1">
-            <a:schemeClr val="accent3"/>
-          </a:lnRef>
-          <a:fillRef idx="2">
-            <a:schemeClr val="accent3"/>
-          </a:fillRef>
-          <a:effectRef idx="1">
-            <a:schemeClr val="accent3"/>
-          </a:effectRef>
-          <a:fontRef idx="minor">
-            <a:schemeClr val="dk1"/>
-          </a:fontRef>
-        </p:style>
-        <p:txBody>
-          <a:bodyPr rtlCol="0" anchor="ctr"/>
-          <a:lstStyle/>
-          <a:p>
-            <a:pPr algn="ctr"/>
-            <a:endParaRPr lang="en-AU"/>
-          </a:p>
-        </p:txBody>
-      </p:sp>
-      <p:pic>
-        <p:nvPicPr>
-          <p:cNvPr id="11" name="Picture 10">
-            <a:extLst>
-              <a:ext uri="{FF2B5EF4-FFF2-40B4-BE49-F238E27FC236}">
-                <a16:creationId xmlns:a16="http://schemas.microsoft.com/office/drawing/2014/main" id="{84F70C61-F5C9-A6AA-4D4E-212375F85EAB}"/>
-              </a:ext>
-            </a:extLst>
-          </p:cNvPr>
-          <p:cNvPicPr>
-            <a:picLocks noChangeAspect="1"/>
-          </p:cNvPicPr>
-          <p:nvPr/>
-        </p:nvPicPr>
-        <p:blipFill>
-          <a:blip r:embed="rId2"/>
-          <a:stretch>
-            <a:fillRect/>
-          </a:stretch>
-        </p:blipFill>
-        <p:spPr>
-          <a:xfrm>
-            <a:off x="414779" y="450523"/>
-            <a:ext cx="3053187" cy="3034135"/>
-          </a:xfrm>
-          <a:prstGeom prst="rect">
-            <a:avLst/>
-          </a:prstGeom>
-        </p:spPr>
-      </p:pic>
-      <p:pic>
-        <p:nvPicPr>
-          <p:cNvPr id="12" name="Picture 11">
-            <a:extLst>
-              <a:ext uri="{FF2B5EF4-FFF2-40B4-BE49-F238E27FC236}">
-                <a16:creationId xmlns:a16="http://schemas.microsoft.com/office/drawing/2014/main" id="{907AEDC7-6D8C-3981-876E-39BFD50CADA7}"/>
-              </a:ext>
-            </a:extLst>
-          </p:cNvPr>
-          <p:cNvPicPr>
-            <a:picLocks noChangeAspect="1"/>
-          </p:cNvPicPr>
-          <p:nvPr/>
-        </p:nvPicPr>
-        <p:blipFill>
-          <a:blip r:embed="rId2">
-            <a:grayscl/>
-          </a:blip>
-          <a:stretch>
-            <a:fillRect/>
-          </a:stretch>
-        </p:blipFill>
-        <p:spPr>
-          <a:xfrm>
-            <a:off x="5933650" y="450523"/>
-            <a:ext cx="1512233" cy="1502797"/>
-          </a:xfrm>
-          <a:prstGeom prst="rect">
-            <a:avLst/>
-          </a:prstGeom>
-        </p:spPr>
-      </p:pic>
-      <p:pic>
-        <p:nvPicPr>
-          <p:cNvPr id="14" name="Picture 13">
-            <a:extLst>
-              <a:ext uri="{FF2B5EF4-FFF2-40B4-BE49-F238E27FC236}">
-                <a16:creationId xmlns:a16="http://schemas.microsoft.com/office/drawing/2014/main" id="{DBA3CADB-9DB9-71DE-196A-5E45E6BC5018}"/>
-              </a:ext>
-            </a:extLst>
-          </p:cNvPr>
-          <p:cNvPicPr>
-            <a:picLocks noChangeAspect="1"/>
-          </p:cNvPicPr>
-          <p:nvPr/>
-        </p:nvPicPr>
-        <p:blipFill>
-          <a:blip r:embed="rId3">
-            <a:grayscl/>
-          </a:blip>
-          <a:stretch>
-            <a:fillRect/>
-          </a:stretch>
-        </p:blipFill>
-        <p:spPr>
-          <a:xfrm>
-            <a:off x="7609052" y="450523"/>
-            <a:ext cx="1512233" cy="1514588"/>
-          </a:xfrm>
-          <a:prstGeom prst="rect">
-            <a:avLst/>
-          </a:prstGeom>
-        </p:spPr>
-      </p:pic>
-      <p:pic>
-        <p:nvPicPr>
-          <p:cNvPr id="16" name="Picture 15">
-            <a:extLst>
-              <a:ext uri="{FF2B5EF4-FFF2-40B4-BE49-F238E27FC236}">
-                <a16:creationId xmlns:a16="http://schemas.microsoft.com/office/drawing/2014/main" id="{17DA3D5D-5EC1-8747-6B20-F19453ABCF09}"/>
-              </a:ext>
-            </a:extLst>
-          </p:cNvPr>
-          <p:cNvPicPr>
-            <a:picLocks noChangeAspect="1"/>
-          </p:cNvPicPr>
-          <p:nvPr/>
-        </p:nvPicPr>
-        <p:blipFill>
-          <a:blip r:embed="rId4">
-            <a:grayscl/>
-          </a:blip>
-          <a:stretch>
-            <a:fillRect/>
-          </a:stretch>
-        </p:blipFill>
-        <p:spPr>
-          <a:xfrm>
-            <a:off x="7609052" y="2487471"/>
-            <a:ext cx="1512233" cy="1509867"/>
-          </a:xfrm>
-          <a:prstGeom prst="rect">
-            <a:avLst/>
-          </a:prstGeom>
-        </p:spPr>
-      </p:pic>
-      <p:pic>
-        <p:nvPicPr>
-          <p:cNvPr id="18" name="Picture 17">
-            <a:extLst>
-              <a:ext uri="{FF2B5EF4-FFF2-40B4-BE49-F238E27FC236}">
-                <a16:creationId xmlns:a16="http://schemas.microsoft.com/office/drawing/2014/main" id="{05C15751-D3FD-344A-E310-C2992C9BB1A5}"/>
-              </a:ext>
-            </a:extLst>
-          </p:cNvPr>
-          <p:cNvPicPr>
-            <a:picLocks noChangeAspect="1"/>
-          </p:cNvPicPr>
-          <p:nvPr/>
-        </p:nvPicPr>
-        <p:blipFill>
-          <a:blip r:embed="rId5">
-            <a:grayscl/>
-          </a:blip>
-          <a:stretch>
-            <a:fillRect/>
-          </a:stretch>
-        </p:blipFill>
-        <p:spPr>
-          <a:xfrm>
-            <a:off x="5930265" y="2488802"/>
-            <a:ext cx="1515618" cy="1508536"/>
-          </a:xfrm>
-          <a:prstGeom prst="rect">
-            <a:avLst/>
-          </a:prstGeom>
-        </p:spPr>
-      </p:pic>
-      <p:pic>
-        <p:nvPicPr>
-          <p:cNvPr id="20" name="Picture 19">
-            <a:extLst>
-              <a:ext uri="{FF2B5EF4-FFF2-40B4-BE49-F238E27FC236}">
-                <a16:creationId xmlns:a16="http://schemas.microsoft.com/office/drawing/2014/main" id="{9BCB6A80-8CF5-0320-8223-94C9E98DC506}"/>
-              </a:ext>
-            </a:extLst>
-          </p:cNvPr>
-          <p:cNvPicPr>
-            <a:picLocks noChangeAspect="1"/>
-          </p:cNvPicPr>
-          <p:nvPr/>
-        </p:nvPicPr>
-        <p:blipFill>
-          <a:blip r:embed="rId6">
-            <a:grayscl/>
-          </a:blip>
-          <a:stretch>
-            <a:fillRect/>
-          </a:stretch>
-        </p:blipFill>
-        <p:spPr>
-          <a:xfrm>
-            <a:off x="9284454" y="2485105"/>
-            <a:ext cx="1512233" cy="1512233"/>
-          </a:xfrm>
-          <a:prstGeom prst="rect">
-            <a:avLst/>
-          </a:prstGeom>
-        </p:spPr>
-      </p:pic>
-      <p:pic>
-        <p:nvPicPr>
-          <p:cNvPr id="22" name="Picture 21">
-            <a:extLst>
-              <a:ext uri="{FF2B5EF4-FFF2-40B4-BE49-F238E27FC236}">
-                <a16:creationId xmlns:a16="http://schemas.microsoft.com/office/drawing/2014/main" id="{A591FFA9-1050-22EC-3494-C34A01E620CE}"/>
-              </a:ext>
-            </a:extLst>
-          </p:cNvPr>
-          <p:cNvPicPr>
-            <a:picLocks noChangeAspect="1"/>
-          </p:cNvPicPr>
-          <p:nvPr/>
-        </p:nvPicPr>
-        <p:blipFill>
-          <a:blip r:embed="rId7">
-            <a:grayscl/>
-          </a:blip>
-          <a:stretch>
-            <a:fillRect/>
-          </a:stretch>
-        </p:blipFill>
-        <p:spPr>
-          <a:xfrm>
-            <a:off x="9284454" y="441087"/>
-            <a:ext cx="1512233" cy="1512233"/>
-          </a:xfrm>
-          <a:prstGeom prst="rect">
-            <a:avLst/>
-          </a:prstGeom>
-        </p:spPr>
-      </p:pic>
-      <p:sp>
-        <p:nvSpPr>
-          <p:cNvPr id="23" name="TextBox 22">
-            <a:extLst>
-              <a:ext uri="{FF2B5EF4-FFF2-40B4-BE49-F238E27FC236}">
-                <a16:creationId xmlns:a16="http://schemas.microsoft.com/office/drawing/2014/main" id="{57933D59-6972-02DB-5987-CC7006C577B2}"/>
-              </a:ext>
-            </a:extLst>
-          </p:cNvPr>
-          <p:cNvSpPr txBox="1"/>
-          <p:nvPr/>
-        </p:nvSpPr>
-        <p:spPr>
-          <a:xfrm>
-            <a:off x="3800986" y="508882"/>
-            <a:ext cx="900818" cy="1785104"/>
-          </a:xfrm>
-          <a:prstGeom prst="rect">
-            <a:avLst/>
-          </a:prstGeom>
-          <a:noFill/>
-        </p:spPr>
-        <p:txBody>
-          <a:bodyPr wrap="square" rtlCol="0">
-            <a:spAutoFit/>
-          </a:bodyPr>
-          <a:lstStyle/>
-          <a:p>
-            <a:r>
-              <a:rPr lang="en-US" sz="1000" dirty="0"/>
-              <a:t>1.e4 (0.4) </a:t>
-            </a:r>
-          </a:p>
-          <a:p>
-            <a:r>
-              <a:rPr lang="en-US" sz="1000" dirty="0"/>
-              <a:t>2.Nf3 (0.4)</a:t>
-            </a:r>
-          </a:p>
-          <a:p>
-            <a:r>
-              <a:rPr lang="en-US" sz="1000" dirty="0"/>
-              <a:t>3.d4 (0.3)</a:t>
-            </a:r>
-          </a:p>
-          <a:p>
-            <a:r>
-              <a:rPr lang="en-US" sz="1000" dirty="0"/>
-              <a:t>4.Nxd4 (0.3)</a:t>
-            </a:r>
-          </a:p>
-          <a:p>
-            <a:r>
-              <a:rPr lang="en-US" sz="1000" dirty="0"/>
-              <a:t>5.Nc3 (0.3)</a:t>
-            </a:r>
-          </a:p>
-          <a:p>
-            <a:r>
-              <a:rPr lang="en-US" sz="1000" dirty="0"/>
-              <a:t>6.Bg5 (0.3)</a:t>
-            </a:r>
-          </a:p>
-          <a:p>
-            <a:r>
-              <a:rPr lang="en-US" sz="1000" dirty="0"/>
-              <a:t>7.f4 (0.3)</a:t>
-            </a:r>
-          </a:p>
-          <a:p>
-            <a:r>
-              <a:rPr lang="en-US" sz="1000" dirty="0"/>
-              <a:t>8.O-O-O (0.3)</a:t>
-            </a:r>
-          </a:p>
-          <a:p>
-            <a:r>
-              <a:rPr lang="en-US" sz="1000" dirty="0"/>
-              <a:t>9.Be2 (0.3)</a:t>
-            </a:r>
-          </a:p>
-          <a:p>
-            <a:r>
-              <a:rPr lang="en-US" sz="1000" dirty="0"/>
-              <a:t>10.</a:t>
-            </a:r>
-            <a:r>
-              <a:rPr lang="en-US" sz="1000" dirty="0">
-                <a:solidFill>
-                  <a:srgbClr val="FF0000"/>
-                </a:solidFill>
-              </a:rPr>
-              <a:t>Rdf1 (-3.1)</a:t>
-            </a:r>
-          </a:p>
-          <a:p>
-            <a:r>
-              <a:rPr lang="en-US" sz="1000" dirty="0"/>
-              <a:t>11.Qe1</a:t>
-            </a:r>
-            <a:endParaRPr lang="en-AU" sz="1000" dirty="0"/>
-          </a:p>
-        </p:txBody>
-      </p:sp>
-      <p:pic>
-        <p:nvPicPr>
-          <p:cNvPr id="25" name="Picture 24">
-            <a:extLst>
-              <a:ext uri="{FF2B5EF4-FFF2-40B4-BE49-F238E27FC236}">
-                <a16:creationId xmlns:a16="http://schemas.microsoft.com/office/drawing/2014/main" id="{48E6936B-F2EC-4934-5FF2-C4D301AF2828}"/>
-              </a:ext>
-            </a:extLst>
-          </p:cNvPr>
-          <p:cNvPicPr>
-            <a:picLocks noChangeAspect="1"/>
-          </p:cNvPicPr>
-          <p:nvPr/>
-        </p:nvPicPr>
-        <p:blipFill>
-          <a:blip r:embed="rId8">
-            <a:duotone>
-              <a:prstClr val="black"/>
-              <a:schemeClr val="accent6">
-                <a:tint val="45000"/>
-                <a:satMod val="400000"/>
-              </a:schemeClr>
-            </a:duotone>
-          </a:blip>
-          <a:stretch>
-            <a:fillRect/>
-          </a:stretch>
-        </p:blipFill>
-        <p:spPr>
-          <a:xfrm>
-            <a:off x="5933650" y="4532820"/>
-            <a:ext cx="1512233" cy="1509863"/>
-          </a:xfrm>
-          <a:prstGeom prst="rect">
-            <a:avLst/>
-          </a:prstGeom>
-        </p:spPr>
-      </p:pic>
-      <p:sp>
-        <p:nvSpPr>
-          <p:cNvPr id="26" name="TextBox 25">
-            <a:extLst>
-              <a:ext uri="{FF2B5EF4-FFF2-40B4-BE49-F238E27FC236}">
-                <a16:creationId xmlns:a16="http://schemas.microsoft.com/office/drawing/2014/main" id="{A23AAEB8-01F2-F426-F989-AF46964AE448}"/>
-              </a:ext>
-            </a:extLst>
-          </p:cNvPr>
-          <p:cNvSpPr txBox="1"/>
-          <p:nvPr/>
-        </p:nvSpPr>
-        <p:spPr>
-          <a:xfrm>
-            <a:off x="4810532" y="508882"/>
-            <a:ext cx="774742" cy="1785104"/>
-          </a:xfrm>
-          <a:prstGeom prst="rect">
-            <a:avLst/>
-          </a:prstGeom>
-          <a:noFill/>
-        </p:spPr>
-        <p:txBody>
-          <a:bodyPr wrap="square" rtlCol="0">
-            <a:spAutoFit/>
-          </a:bodyPr>
-          <a:lstStyle/>
-          <a:p>
-            <a:r>
-              <a:rPr lang="en-US" sz="1000" dirty="0"/>
-              <a:t>c5 (0.4)</a:t>
-            </a:r>
-          </a:p>
-          <a:p>
-            <a:r>
-              <a:rPr lang="en-US" sz="1000" dirty="0"/>
-              <a:t>d6 (0.3)</a:t>
-            </a:r>
-          </a:p>
-          <a:p>
-            <a:r>
-              <a:rPr lang="en-US" sz="1000" dirty="0"/>
-              <a:t>cxd4 (0.3)</a:t>
-            </a:r>
-          </a:p>
-          <a:p>
-            <a:r>
-              <a:rPr lang="en-US" sz="1000" b="1" dirty="0"/>
-              <a:t>Nf6</a:t>
-            </a:r>
-            <a:r>
-              <a:rPr lang="en-US" sz="1000" dirty="0"/>
-              <a:t> (0.3)</a:t>
-            </a:r>
-          </a:p>
-          <a:p>
-            <a:r>
-              <a:rPr lang="en-US" sz="1000" dirty="0"/>
-              <a:t>Nc6 (0.3)</a:t>
-            </a:r>
-          </a:p>
-          <a:p>
-            <a:r>
-              <a:rPr lang="en-US" sz="1000" dirty="0"/>
-              <a:t>e6 (0.3)</a:t>
-            </a:r>
-          </a:p>
-          <a:p>
-            <a:r>
-              <a:rPr lang="en-US" sz="1000" dirty="0"/>
-              <a:t>Bd7 (0.3)</a:t>
-            </a:r>
-          </a:p>
-          <a:p>
-            <a:r>
-              <a:rPr lang="en-US" sz="1000" dirty="0"/>
-              <a:t>a6 (0.3)</a:t>
-            </a:r>
-          </a:p>
-          <a:p>
-            <a:r>
-              <a:rPr lang="en-AU" sz="1000" dirty="0"/>
-              <a:t>Qb6</a:t>
-            </a:r>
-            <a:r>
-              <a:rPr lang="en-US" sz="1000" dirty="0"/>
-              <a:t> (0.3)</a:t>
-            </a:r>
-            <a:endParaRPr lang="en-AU" sz="1000" dirty="0"/>
-          </a:p>
-          <a:p>
-            <a:r>
-              <a:rPr lang="en-AU" sz="1000" dirty="0"/>
-              <a:t>Qxd4 (-3.2)</a:t>
-            </a:r>
-          </a:p>
-          <a:p>
-            <a:r>
-              <a:rPr lang="en-AU" sz="1000" dirty="0"/>
-              <a:t>Be7</a:t>
-            </a:r>
-            <a:r>
-              <a:rPr lang="en-US" sz="1000" dirty="0"/>
-              <a:t> (0.3)</a:t>
-            </a:r>
-            <a:endParaRPr lang="en-AU" sz="1000" dirty="0"/>
-          </a:p>
-        </p:txBody>
-      </p:sp>
-      <p:sp>
-        <p:nvSpPr>
-          <p:cNvPr id="33" name="TextBox 32">
-            <a:extLst>
-              <a:ext uri="{FF2B5EF4-FFF2-40B4-BE49-F238E27FC236}">
-                <a16:creationId xmlns:a16="http://schemas.microsoft.com/office/drawing/2014/main" id="{D9A158A9-1975-7560-7E0C-9167968FB8C1}"/>
-              </a:ext>
-            </a:extLst>
-          </p:cNvPr>
-          <p:cNvSpPr txBox="1"/>
-          <p:nvPr/>
-        </p:nvSpPr>
-        <p:spPr>
-          <a:xfrm>
-            <a:off x="414777" y="3681844"/>
-            <a:ext cx="3053187" cy="861774"/>
-          </a:xfrm>
-          <a:prstGeom prst="rect">
-            <a:avLst/>
-          </a:prstGeom>
-          <a:noFill/>
-        </p:spPr>
-        <p:txBody>
-          <a:bodyPr wrap="square" rtlCol="0">
-            <a:spAutoFit/>
-          </a:bodyPr>
-          <a:lstStyle/>
-          <a:p>
-            <a:r>
-              <a:rPr lang="en-US" sz="1000" dirty="0"/>
-              <a:t>1.e4 c5 2.Nf3 (2.d4 cd4 3.c3) d6 3.d4 cxd4 4.Nxd4 </a:t>
-            </a:r>
-            <a:r>
-              <a:rPr lang="en-US" sz="1000" b="1" dirty="0"/>
-              <a:t>Nf6</a:t>
-            </a:r>
-            <a:r>
-              <a:rPr lang="en-US" sz="1000" dirty="0"/>
-              <a:t> </a:t>
-            </a:r>
-            <a:r>
-              <a:rPr lang="en-US" sz="1000" b="1" dirty="0"/>
-              <a:t>5.Nc3 </a:t>
-            </a:r>
-            <a:r>
-              <a:rPr lang="en-US" sz="1000" dirty="0"/>
-              <a:t>Nc6 (5…e5 6.Ndb5 a6 7.Na3) 6.Bc4 (6.Bg5) (6.Be2 e5 7.Nb3 Be7 8.Be3 Be6 7.O-O O-O 8. f4 d5 9.f5 d4) (6.Be3 e5 7.Nb3 Be7 8.g4 a5 9.Be2 a4 10.Nc1 a3 11.b3) </a:t>
-            </a:r>
-            <a:endParaRPr lang="en-AU" sz="1000" dirty="0"/>
-          </a:p>
-        </p:txBody>
-      </p:sp>
-      <p:sp>
-        <p:nvSpPr>
-          <p:cNvPr id="35" name="Rectangle 34">
-            <a:extLst>
-              <a:ext uri="{FF2B5EF4-FFF2-40B4-BE49-F238E27FC236}">
-                <a16:creationId xmlns:a16="http://schemas.microsoft.com/office/drawing/2014/main" id="{D7521D05-0238-A93C-3BE0-F05FE0EC0336}"/>
-              </a:ext>
-            </a:extLst>
-          </p:cNvPr>
-          <p:cNvSpPr/>
-          <p:nvPr/>
-        </p:nvSpPr>
-        <p:spPr>
-          <a:xfrm>
-            <a:off x="3083906" y="3732011"/>
-            <a:ext cx="245839" cy="151831"/>
-          </a:xfrm>
-          <a:prstGeom prst="rect">
-            <a:avLst/>
-          </a:prstGeom>
-          <a:solidFill>
-            <a:schemeClr val="accent1">
-              <a:alpha val="50000"/>
-            </a:schemeClr>
-          </a:solidFill>
-          <a:ln>
-            <a:noFill/>
-          </a:ln>
-        </p:spPr>
-        <p:style>
-          <a:lnRef idx="2">
-            <a:schemeClr val="accent1">
-              <a:shade val="50000"/>
-            </a:schemeClr>
-          </a:lnRef>
-          <a:fillRef idx="1">
-            <a:schemeClr val="accent1"/>
-          </a:fillRef>
-          <a:effectRef idx="0">
-            <a:schemeClr val="accent1"/>
-          </a:effectRef>
-          <a:fontRef idx="minor">
-            <a:schemeClr val="lt1"/>
-          </a:fontRef>
-        </p:style>
-        <p:txBody>
-          <a:bodyPr rtlCol="0" anchor="ctr"/>
-          <a:lstStyle/>
-          <a:p>
-            <a:pPr algn="ctr"/>
-            <a:endParaRPr lang="en-AU" b="1" dirty="0"/>
-          </a:p>
-        </p:txBody>
-      </p:sp>
-      <p:sp>
-        <p:nvSpPr>
-          <p:cNvPr id="36" name="TextBox 35">
-            <a:extLst>
-              <a:ext uri="{FF2B5EF4-FFF2-40B4-BE49-F238E27FC236}">
-                <a16:creationId xmlns:a16="http://schemas.microsoft.com/office/drawing/2014/main" id="{4E1E9C70-F449-ECF5-7475-0FF9AF8E5DE7}"/>
-              </a:ext>
-            </a:extLst>
-          </p:cNvPr>
-          <p:cNvSpPr txBox="1"/>
-          <p:nvPr/>
-        </p:nvSpPr>
-        <p:spPr>
-          <a:xfrm>
-            <a:off x="6096000" y="1967071"/>
-            <a:ext cx="1295137" cy="246221"/>
-          </a:xfrm>
-          <a:prstGeom prst="rect">
-            <a:avLst/>
-          </a:prstGeom>
-          <a:noFill/>
-        </p:spPr>
-        <p:txBody>
-          <a:bodyPr wrap="square" rtlCol="0">
-            <a:spAutoFit/>
-          </a:bodyPr>
-          <a:lstStyle/>
-          <a:p>
-            <a:r>
-              <a:rPr lang="en-US" sz="1000" dirty="0"/>
-              <a:t>Position after 5.Nc3</a:t>
-            </a:r>
-            <a:endParaRPr lang="en-AU" sz="1000" dirty="0"/>
-          </a:p>
-        </p:txBody>
-      </p:sp>
-      <p:sp>
-        <p:nvSpPr>
-          <p:cNvPr id="37" name="TextBox 36">
-            <a:extLst>
-              <a:ext uri="{FF2B5EF4-FFF2-40B4-BE49-F238E27FC236}">
-                <a16:creationId xmlns:a16="http://schemas.microsoft.com/office/drawing/2014/main" id="{929F4E53-486E-D8AD-D657-B720D223C846}"/>
-              </a:ext>
-            </a:extLst>
-          </p:cNvPr>
-          <p:cNvSpPr txBox="1"/>
-          <p:nvPr/>
-        </p:nvSpPr>
-        <p:spPr>
-          <a:xfrm>
-            <a:off x="9393001" y="1972991"/>
-            <a:ext cx="1295137" cy="246221"/>
-          </a:xfrm>
-          <a:prstGeom prst="rect">
-            <a:avLst/>
-          </a:prstGeom>
-          <a:noFill/>
-        </p:spPr>
-        <p:txBody>
-          <a:bodyPr wrap="square" rtlCol="0">
-            <a:spAutoFit/>
-          </a:bodyPr>
-          <a:lstStyle/>
-          <a:p>
-            <a:r>
-              <a:rPr lang="en-US" sz="1000" dirty="0"/>
-              <a:t>Position after 1… c5</a:t>
-            </a:r>
-            <a:endParaRPr lang="en-AU" sz="1000" dirty="0"/>
-          </a:p>
-        </p:txBody>
-      </p:sp>
-      <p:sp>
-        <p:nvSpPr>
-          <p:cNvPr id="38" name="TextBox 37">
-            <a:extLst>
-              <a:ext uri="{FF2B5EF4-FFF2-40B4-BE49-F238E27FC236}">
-                <a16:creationId xmlns:a16="http://schemas.microsoft.com/office/drawing/2014/main" id="{42E95A04-60ED-C5F1-9D16-B7525EC56D72}"/>
-              </a:ext>
-            </a:extLst>
-          </p:cNvPr>
-          <p:cNvSpPr txBox="1"/>
-          <p:nvPr/>
-        </p:nvSpPr>
-        <p:spPr>
-          <a:xfrm>
-            <a:off x="6096001" y="4026627"/>
-            <a:ext cx="1295136" cy="246221"/>
-          </a:xfrm>
-          <a:prstGeom prst="rect">
-            <a:avLst/>
-          </a:prstGeom>
-          <a:noFill/>
-        </p:spPr>
-        <p:txBody>
-          <a:bodyPr wrap="square" rtlCol="0">
-            <a:spAutoFit/>
-          </a:bodyPr>
-          <a:lstStyle/>
-          <a:p>
-            <a:r>
-              <a:rPr lang="en-US" sz="1000" dirty="0"/>
-              <a:t>Position after 9….d4</a:t>
-            </a:r>
-            <a:endParaRPr lang="en-AU" sz="1000" dirty="0"/>
-          </a:p>
-        </p:txBody>
-      </p:sp>
-      <p:sp>
-        <p:nvSpPr>
-          <p:cNvPr id="39" name="TextBox 38">
-            <a:extLst>
-              <a:ext uri="{FF2B5EF4-FFF2-40B4-BE49-F238E27FC236}">
-                <a16:creationId xmlns:a16="http://schemas.microsoft.com/office/drawing/2014/main" id="{CF69BE0A-737D-FB8D-CB8B-9F2B6AA6A02A}"/>
-              </a:ext>
-            </a:extLst>
-          </p:cNvPr>
-          <p:cNvSpPr txBox="1"/>
-          <p:nvPr/>
-        </p:nvSpPr>
-        <p:spPr>
-          <a:xfrm>
-            <a:off x="7717421" y="3997338"/>
-            <a:ext cx="1295136" cy="246221"/>
-          </a:xfrm>
-          <a:prstGeom prst="rect">
-            <a:avLst/>
-          </a:prstGeom>
-          <a:noFill/>
-        </p:spPr>
-        <p:txBody>
-          <a:bodyPr wrap="square" rtlCol="0">
-            <a:spAutoFit/>
-          </a:bodyPr>
-          <a:lstStyle/>
-          <a:p>
-            <a:r>
-              <a:rPr lang="en-US" sz="1000" dirty="0"/>
-              <a:t>Position after 6.Bg5</a:t>
-            </a:r>
-            <a:endParaRPr lang="en-AU" sz="1000" dirty="0"/>
-          </a:p>
-        </p:txBody>
-      </p:sp>
-      <p:sp>
-        <p:nvSpPr>
-          <p:cNvPr id="40" name="TextBox 39">
-            <a:extLst>
-              <a:ext uri="{FF2B5EF4-FFF2-40B4-BE49-F238E27FC236}">
-                <a16:creationId xmlns:a16="http://schemas.microsoft.com/office/drawing/2014/main" id="{63A99F5E-1252-9E37-07A5-05B010C054CC}"/>
-              </a:ext>
-            </a:extLst>
-          </p:cNvPr>
-          <p:cNvSpPr txBox="1"/>
-          <p:nvPr/>
-        </p:nvSpPr>
-        <p:spPr>
-          <a:xfrm>
-            <a:off x="9393001" y="4026627"/>
-            <a:ext cx="1295136" cy="246221"/>
-          </a:xfrm>
-          <a:prstGeom prst="rect">
-            <a:avLst/>
-          </a:prstGeom>
-          <a:noFill/>
-        </p:spPr>
-        <p:txBody>
-          <a:bodyPr wrap="square" rtlCol="0">
-            <a:spAutoFit/>
-          </a:bodyPr>
-          <a:lstStyle/>
-          <a:p>
-            <a:r>
-              <a:rPr lang="en-US" sz="1000" dirty="0"/>
-              <a:t>Position after 11. b3</a:t>
-            </a:r>
-            <a:endParaRPr lang="en-AU" sz="1000" dirty="0"/>
-          </a:p>
-        </p:txBody>
-      </p:sp>
-      <p:sp>
-        <p:nvSpPr>
-          <p:cNvPr id="41" name="TextBox 40">
-            <a:extLst>
-              <a:ext uri="{FF2B5EF4-FFF2-40B4-BE49-F238E27FC236}">
-                <a16:creationId xmlns:a16="http://schemas.microsoft.com/office/drawing/2014/main" id="{2D04DFDD-F71D-A981-B929-B5B83FAC944E}"/>
-              </a:ext>
-            </a:extLst>
-          </p:cNvPr>
-          <p:cNvSpPr txBox="1"/>
-          <p:nvPr/>
-        </p:nvSpPr>
-        <p:spPr>
-          <a:xfrm>
-            <a:off x="7675846" y="1965111"/>
-            <a:ext cx="1336711" cy="246221"/>
-          </a:xfrm>
-          <a:prstGeom prst="rect">
-            <a:avLst/>
-          </a:prstGeom>
-          <a:noFill/>
-        </p:spPr>
-        <p:txBody>
-          <a:bodyPr wrap="square" rtlCol="0">
-            <a:spAutoFit/>
-          </a:bodyPr>
-          <a:lstStyle/>
-          <a:p>
-            <a:r>
-              <a:rPr lang="en-US" sz="1000" dirty="0"/>
-              <a:t>Position after 6.Bc4</a:t>
-            </a:r>
-            <a:endParaRPr lang="en-AU" sz="1000" dirty="0"/>
-          </a:p>
-        </p:txBody>
-      </p:sp>
-      <p:sp>
-        <p:nvSpPr>
-          <p:cNvPr id="42" name="TextBox 41">
-            <a:extLst>
-              <a:ext uri="{FF2B5EF4-FFF2-40B4-BE49-F238E27FC236}">
-                <a16:creationId xmlns:a16="http://schemas.microsoft.com/office/drawing/2014/main" id="{994DD42F-3E6A-14B3-2D88-01A060A2C447}"/>
-              </a:ext>
-            </a:extLst>
-          </p:cNvPr>
-          <p:cNvSpPr txBox="1"/>
-          <p:nvPr/>
-        </p:nvSpPr>
-        <p:spPr>
-          <a:xfrm>
-            <a:off x="6150746" y="6042683"/>
-            <a:ext cx="1222099" cy="246221"/>
-          </a:xfrm>
-          <a:prstGeom prst="rect">
-            <a:avLst/>
-          </a:prstGeom>
-          <a:noFill/>
-        </p:spPr>
-        <p:txBody>
-          <a:bodyPr wrap="square" rtlCol="0">
-            <a:spAutoFit/>
-          </a:bodyPr>
-          <a:lstStyle/>
-          <a:p>
-            <a:pPr algn="ctr"/>
-            <a:r>
-              <a:rPr lang="en-US" sz="1000" dirty="0"/>
-              <a:t>Me vs Computer</a:t>
-            </a:r>
-            <a:endParaRPr lang="en-AU" sz="1000" dirty="0"/>
-          </a:p>
-        </p:txBody>
-      </p:sp>
-      <p:sp>
-        <p:nvSpPr>
-          <p:cNvPr id="43" name="TextBox 42">
-            <a:extLst>
-              <a:ext uri="{FF2B5EF4-FFF2-40B4-BE49-F238E27FC236}">
-                <a16:creationId xmlns:a16="http://schemas.microsoft.com/office/drawing/2014/main" id="{59A65A88-D2F2-99B8-4E0A-6CD4BBF5F0CC}"/>
-              </a:ext>
-            </a:extLst>
-          </p:cNvPr>
-          <p:cNvSpPr txBox="1"/>
-          <p:nvPr/>
-        </p:nvSpPr>
-        <p:spPr>
-          <a:xfrm>
-            <a:off x="6114227" y="6179544"/>
-            <a:ext cx="1295136" cy="246221"/>
-          </a:xfrm>
-          <a:prstGeom prst="rect">
-            <a:avLst/>
-          </a:prstGeom>
-          <a:noFill/>
-        </p:spPr>
-        <p:txBody>
-          <a:bodyPr wrap="square" rtlCol="0">
-            <a:spAutoFit/>
-          </a:bodyPr>
-          <a:lstStyle/>
-          <a:p>
-            <a:pPr algn="ctr"/>
-            <a:r>
-              <a:rPr lang="en-US" sz="1000" dirty="0"/>
-              <a:t>(1…e5)</a:t>
-            </a:r>
-            <a:endParaRPr lang="en-AU" sz="1000" dirty="0"/>
-          </a:p>
-        </p:txBody>
-      </p:sp>
-      <p:sp>
-        <p:nvSpPr>
-          <p:cNvPr id="44" name="TextBox 43">
-            <a:extLst>
-              <a:ext uri="{FF2B5EF4-FFF2-40B4-BE49-F238E27FC236}">
-                <a16:creationId xmlns:a16="http://schemas.microsoft.com/office/drawing/2014/main" id="{55166788-E0FD-1C3E-B757-DE95E23CE5ED}"/>
-              </a:ext>
-            </a:extLst>
-          </p:cNvPr>
-          <p:cNvSpPr txBox="1"/>
-          <p:nvPr/>
-        </p:nvSpPr>
-        <p:spPr>
-          <a:xfrm>
-            <a:off x="1371047" y="164088"/>
-            <a:ext cx="1140644" cy="276999"/>
-          </a:xfrm>
-          <a:prstGeom prst="rect">
-            <a:avLst/>
-          </a:prstGeom>
-          <a:noFill/>
-        </p:spPr>
-        <p:txBody>
-          <a:bodyPr wrap="square" rtlCol="0">
-            <a:spAutoFit/>
-          </a:bodyPr>
-          <a:lstStyle/>
-          <a:p>
-            <a:pPr algn="ctr"/>
-            <a:r>
-              <a:rPr lang="en-US" sz="1200" b="1" dirty="0"/>
-              <a:t>Main Line</a:t>
-            </a:r>
-            <a:endParaRPr lang="en-AU" sz="1200" b="1" dirty="0"/>
-          </a:p>
-        </p:txBody>
-      </p:sp>
+      </p:cxnSp>
     </p:spTree>
     <p:extLst>
       <p:ext uri="{BB962C8B-B14F-4D97-AF65-F5344CB8AC3E}">
-        <p14:creationId xmlns:p14="http://schemas.microsoft.com/office/powerpoint/2010/main" val="276407305"/>
-      </p:ext>
-    </p:extLst>
-  </p:cSld>
-  <p:clrMapOvr>
-    <a:masterClrMapping/>
-  </p:clrMapOvr>
-</p:sld>
-</file>
-
-<file path=ppt/slides/slide4.xml><?xml version="1.0" encoding="utf-8"?>
-<p:sld xmlns:a="http://schemas.openxmlformats.org/drawingml/2006/main" xmlns:r="http://schemas.openxmlformats.org/officeDocument/2006/relationships" xmlns:p="http://schemas.openxmlformats.org/presentationml/2006/main">
-  <p:cSld>
-    <p:spTree>
-      <p:nvGrpSpPr>
-        <p:cNvPr id="1" name=""/>
-        <p:cNvGrpSpPr/>
-        <p:nvPr/>
-      </p:nvGrpSpPr>
-      <p:grpSpPr>
-        <a:xfrm>
-          <a:off x="0" y="0"/>
-          <a:ext cx="0" cy="0"/>
-          <a:chOff x="0" y="0"/>
-          <a:chExt cx="0" cy="0"/>
-        </a:xfrm>
-      </p:grpSpPr>
-      <p:sp>
-        <p:nvSpPr>
-          <p:cNvPr id="34" name="Rectangle 33">
-            <a:extLst>
-              <a:ext uri="{FF2B5EF4-FFF2-40B4-BE49-F238E27FC236}">
-                <a16:creationId xmlns:a16="http://schemas.microsoft.com/office/drawing/2014/main" id="{F7AE23BF-F9BE-322B-AE6F-8C0BFF612DE5}"/>
-              </a:ext>
-            </a:extLst>
-          </p:cNvPr>
-          <p:cNvSpPr/>
-          <p:nvPr/>
-        </p:nvSpPr>
-        <p:spPr>
-          <a:xfrm>
-            <a:off x="414776" y="3555969"/>
-            <a:ext cx="3053187" cy="2486714"/>
-          </a:xfrm>
-          <a:prstGeom prst="rect">
-            <a:avLst/>
-          </a:prstGeom>
-          <a:solidFill>
-            <a:schemeClr val="accent1">
-              <a:lumMod val="20000"/>
-              <a:lumOff val="80000"/>
-            </a:schemeClr>
-          </a:solidFill>
-        </p:spPr>
-        <p:style>
-          <a:lnRef idx="2">
-            <a:schemeClr val="accent1">
-              <a:shade val="50000"/>
-            </a:schemeClr>
-          </a:lnRef>
-          <a:fillRef idx="1">
-            <a:schemeClr val="accent1"/>
-          </a:fillRef>
-          <a:effectRef idx="0">
-            <a:schemeClr val="accent1"/>
-          </a:effectRef>
-          <a:fontRef idx="minor">
-            <a:schemeClr val="lt1"/>
-          </a:fontRef>
-        </p:style>
-        <p:txBody>
-          <a:bodyPr rtlCol="0" anchor="ctr"/>
-          <a:lstStyle/>
-          <a:p>
-            <a:pPr algn="ctr"/>
-            <a:endParaRPr lang="en-AU"/>
-          </a:p>
-        </p:txBody>
-      </p:sp>
-      <p:sp>
-        <p:nvSpPr>
-          <p:cNvPr id="32" name="Rectangle 31">
-            <a:extLst>
-              <a:ext uri="{FF2B5EF4-FFF2-40B4-BE49-F238E27FC236}">
-                <a16:creationId xmlns:a16="http://schemas.microsoft.com/office/drawing/2014/main" id="{4E2A4BCE-3091-89A6-196B-ADF658926A3C}"/>
-              </a:ext>
-            </a:extLst>
-          </p:cNvPr>
-          <p:cNvSpPr/>
-          <p:nvPr/>
-        </p:nvSpPr>
-        <p:spPr>
-          <a:xfrm>
-            <a:off x="3768918" y="450523"/>
-            <a:ext cx="1816356" cy="5592160"/>
-          </a:xfrm>
-          <a:prstGeom prst="rect">
-            <a:avLst/>
-          </a:prstGeom>
-          <a:solidFill>
-            <a:schemeClr val="bg2"/>
-          </a:solidFill>
-          <a:ln>
-            <a:solidFill>
-              <a:schemeClr val="bg2">
-                <a:lumMod val="50000"/>
-              </a:schemeClr>
-            </a:solidFill>
-          </a:ln>
-        </p:spPr>
-        <p:style>
-          <a:lnRef idx="1">
-            <a:schemeClr val="accent3"/>
-          </a:lnRef>
-          <a:fillRef idx="2">
-            <a:schemeClr val="accent3"/>
-          </a:fillRef>
-          <a:effectRef idx="1">
-            <a:schemeClr val="accent3"/>
-          </a:effectRef>
-          <a:fontRef idx="minor">
-            <a:schemeClr val="dk1"/>
-          </a:fontRef>
-        </p:style>
-        <p:txBody>
-          <a:bodyPr rtlCol="0" anchor="ctr"/>
-          <a:lstStyle/>
-          <a:p>
-            <a:pPr algn="ctr"/>
-            <a:endParaRPr lang="en-AU"/>
-          </a:p>
-        </p:txBody>
-      </p:sp>
-      <p:pic>
-        <p:nvPicPr>
-          <p:cNvPr id="11" name="Picture 10">
-            <a:extLst>
-              <a:ext uri="{FF2B5EF4-FFF2-40B4-BE49-F238E27FC236}">
-                <a16:creationId xmlns:a16="http://schemas.microsoft.com/office/drawing/2014/main" id="{84F70C61-F5C9-A6AA-4D4E-212375F85EAB}"/>
-              </a:ext>
-            </a:extLst>
-          </p:cNvPr>
-          <p:cNvPicPr>
-            <a:picLocks noChangeAspect="1"/>
-          </p:cNvPicPr>
-          <p:nvPr/>
-        </p:nvPicPr>
-        <p:blipFill>
-          <a:blip r:embed="rId2"/>
-          <a:stretch>
-            <a:fillRect/>
-          </a:stretch>
-        </p:blipFill>
-        <p:spPr>
-          <a:xfrm>
-            <a:off x="5934043" y="460350"/>
-            <a:ext cx="1511839" cy="1502405"/>
-          </a:xfrm>
-          <a:prstGeom prst="rect">
-            <a:avLst/>
-          </a:prstGeom>
-        </p:spPr>
-      </p:pic>
-      <p:pic>
-        <p:nvPicPr>
-          <p:cNvPr id="12" name="Picture 11">
-            <a:extLst>
-              <a:ext uri="{FF2B5EF4-FFF2-40B4-BE49-F238E27FC236}">
-                <a16:creationId xmlns:a16="http://schemas.microsoft.com/office/drawing/2014/main" id="{907AEDC7-6D8C-3981-876E-39BFD50CADA7}"/>
-              </a:ext>
-            </a:extLst>
-          </p:cNvPr>
-          <p:cNvPicPr>
-            <a:picLocks noChangeAspect="1"/>
-          </p:cNvPicPr>
-          <p:nvPr/>
-        </p:nvPicPr>
-        <p:blipFill>
-          <a:blip r:embed="rId2">
-            <a:grayscl/>
-          </a:blip>
-          <a:stretch>
-            <a:fillRect/>
-          </a:stretch>
-        </p:blipFill>
-        <p:spPr>
-          <a:xfrm>
-            <a:off x="9284454" y="2480973"/>
-            <a:ext cx="1519343" cy="1509863"/>
-          </a:xfrm>
-          <a:prstGeom prst="rect">
-            <a:avLst/>
-          </a:prstGeom>
-        </p:spPr>
-      </p:pic>
-      <p:pic>
-        <p:nvPicPr>
-          <p:cNvPr id="14" name="Picture 13">
-            <a:extLst>
-              <a:ext uri="{FF2B5EF4-FFF2-40B4-BE49-F238E27FC236}">
-                <a16:creationId xmlns:a16="http://schemas.microsoft.com/office/drawing/2014/main" id="{DBA3CADB-9DB9-71DE-196A-5E45E6BC5018}"/>
-              </a:ext>
-            </a:extLst>
-          </p:cNvPr>
-          <p:cNvPicPr>
-            <a:picLocks noChangeAspect="1"/>
-          </p:cNvPicPr>
-          <p:nvPr/>
-        </p:nvPicPr>
-        <p:blipFill>
-          <a:blip r:embed="rId3">
-            <a:grayscl/>
-          </a:blip>
-          <a:stretch>
-            <a:fillRect/>
-          </a:stretch>
-        </p:blipFill>
-        <p:spPr>
-          <a:xfrm>
-            <a:off x="7609052" y="450523"/>
-            <a:ext cx="1512233" cy="1514588"/>
-          </a:xfrm>
-          <a:prstGeom prst="rect">
-            <a:avLst/>
-          </a:prstGeom>
-        </p:spPr>
-      </p:pic>
-      <p:pic>
-        <p:nvPicPr>
-          <p:cNvPr id="16" name="Picture 15">
-            <a:extLst>
-              <a:ext uri="{FF2B5EF4-FFF2-40B4-BE49-F238E27FC236}">
-                <a16:creationId xmlns:a16="http://schemas.microsoft.com/office/drawing/2014/main" id="{17DA3D5D-5EC1-8747-6B20-F19453ABCF09}"/>
-              </a:ext>
-            </a:extLst>
-          </p:cNvPr>
-          <p:cNvPicPr>
-            <a:picLocks noChangeAspect="1"/>
-          </p:cNvPicPr>
-          <p:nvPr/>
-        </p:nvPicPr>
-        <p:blipFill>
-          <a:blip r:embed="rId4">
-            <a:grayscl/>
-          </a:blip>
-          <a:stretch>
-            <a:fillRect/>
-          </a:stretch>
-        </p:blipFill>
-        <p:spPr>
-          <a:xfrm>
-            <a:off x="7609052" y="2487471"/>
-            <a:ext cx="1512233" cy="1509867"/>
-          </a:xfrm>
-          <a:prstGeom prst="rect">
-            <a:avLst/>
-          </a:prstGeom>
-        </p:spPr>
-      </p:pic>
-      <p:pic>
-        <p:nvPicPr>
-          <p:cNvPr id="18" name="Picture 17">
-            <a:extLst>
-              <a:ext uri="{FF2B5EF4-FFF2-40B4-BE49-F238E27FC236}">
-                <a16:creationId xmlns:a16="http://schemas.microsoft.com/office/drawing/2014/main" id="{05C15751-D3FD-344A-E310-C2992C9BB1A5}"/>
-              </a:ext>
-            </a:extLst>
-          </p:cNvPr>
-          <p:cNvPicPr>
-            <a:picLocks noChangeAspect="1"/>
-          </p:cNvPicPr>
-          <p:nvPr/>
-        </p:nvPicPr>
-        <p:blipFill>
-          <a:blip r:embed="rId5">
-            <a:grayscl/>
-          </a:blip>
-          <a:stretch>
-            <a:fillRect/>
-          </a:stretch>
-        </p:blipFill>
-        <p:spPr>
-          <a:xfrm>
-            <a:off x="5930265" y="2488802"/>
-            <a:ext cx="1515618" cy="1508536"/>
-          </a:xfrm>
-          <a:prstGeom prst="rect">
-            <a:avLst/>
-          </a:prstGeom>
-        </p:spPr>
-      </p:pic>
-      <p:pic>
-        <p:nvPicPr>
-          <p:cNvPr id="20" name="Picture 19">
-            <a:extLst>
-              <a:ext uri="{FF2B5EF4-FFF2-40B4-BE49-F238E27FC236}">
-                <a16:creationId xmlns:a16="http://schemas.microsoft.com/office/drawing/2014/main" id="{9BCB6A80-8CF5-0320-8223-94C9E98DC506}"/>
-              </a:ext>
-            </a:extLst>
-          </p:cNvPr>
-          <p:cNvPicPr>
-            <a:picLocks noChangeAspect="1"/>
-          </p:cNvPicPr>
-          <p:nvPr/>
-        </p:nvPicPr>
-        <p:blipFill>
-          <a:blip r:embed="rId6">
-            <a:grayscl/>
-          </a:blip>
-          <a:stretch>
-            <a:fillRect/>
-          </a:stretch>
-        </p:blipFill>
-        <p:spPr>
-          <a:xfrm>
-            <a:off x="414776" y="424198"/>
-            <a:ext cx="3077114" cy="3077114"/>
-          </a:xfrm>
-          <a:prstGeom prst="rect">
-            <a:avLst/>
-          </a:prstGeom>
-        </p:spPr>
-      </p:pic>
-      <p:pic>
-        <p:nvPicPr>
-          <p:cNvPr id="22" name="Picture 21">
-            <a:extLst>
-              <a:ext uri="{FF2B5EF4-FFF2-40B4-BE49-F238E27FC236}">
-                <a16:creationId xmlns:a16="http://schemas.microsoft.com/office/drawing/2014/main" id="{A591FFA9-1050-22EC-3494-C34A01E620CE}"/>
-              </a:ext>
-            </a:extLst>
-          </p:cNvPr>
-          <p:cNvPicPr>
-            <a:picLocks noChangeAspect="1"/>
-          </p:cNvPicPr>
-          <p:nvPr/>
-        </p:nvPicPr>
-        <p:blipFill>
-          <a:blip r:embed="rId7">
-            <a:grayscl/>
-          </a:blip>
-          <a:stretch>
-            <a:fillRect/>
-          </a:stretch>
-        </p:blipFill>
-        <p:spPr>
-          <a:xfrm>
-            <a:off x="9284454" y="441087"/>
-            <a:ext cx="1512233" cy="1512233"/>
-          </a:xfrm>
-          <a:prstGeom prst="rect">
-            <a:avLst/>
-          </a:prstGeom>
-        </p:spPr>
-      </p:pic>
-      <p:sp>
-        <p:nvSpPr>
-          <p:cNvPr id="23" name="TextBox 22">
-            <a:extLst>
-              <a:ext uri="{FF2B5EF4-FFF2-40B4-BE49-F238E27FC236}">
-                <a16:creationId xmlns:a16="http://schemas.microsoft.com/office/drawing/2014/main" id="{57933D59-6972-02DB-5987-CC7006C577B2}"/>
-              </a:ext>
-            </a:extLst>
-          </p:cNvPr>
-          <p:cNvSpPr txBox="1"/>
-          <p:nvPr/>
-        </p:nvSpPr>
-        <p:spPr>
-          <a:xfrm>
-            <a:off x="3800986" y="508882"/>
-            <a:ext cx="900818" cy="1785104"/>
-          </a:xfrm>
-          <a:prstGeom prst="rect">
-            <a:avLst/>
-          </a:prstGeom>
-          <a:noFill/>
-        </p:spPr>
-        <p:txBody>
-          <a:bodyPr wrap="square" rtlCol="0">
-            <a:spAutoFit/>
-          </a:bodyPr>
-          <a:lstStyle/>
-          <a:p>
-            <a:r>
-              <a:rPr lang="en-US" sz="1000" dirty="0"/>
-              <a:t>1.e4 (0.4) </a:t>
-            </a:r>
-          </a:p>
-          <a:p>
-            <a:r>
-              <a:rPr lang="en-US" sz="1000" dirty="0"/>
-              <a:t>2.Nf3 (0.4)</a:t>
-            </a:r>
-          </a:p>
-          <a:p>
-            <a:r>
-              <a:rPr lang="en-US" sz="1000" dirty="0"/>
-              <a:t>3.d4 (0.3)</a:t>
-            </a:r>
-          </a:p>
-          <a:p>
-            <a:r>
-              <a:rPr lang="en-US" sz="1000" dirty="0"/>
-              <a:t>4.Nxd4 (0.3)</a:t>
-            </a:r>
-          </a:p>
-          <a:p>
-            <a:r>
-              <a:rPr lang="en-US" sz="1000" dirty="0"/>
-              <a:t>5.Nc3 (0.3)</a:t>
-            </a:r>
-          </a:p>
-          <a:p>
-            <a:r>
-              <a:rPr lang="en-US" sz="1000" dirty="0"/>
-              <a:t>6.Be3 (0.3)</a:t>
-            </a:r>
-          </a:p>
-          <a:p>
-            <a:r>
-              <a:rPr lang="en-US" sz="1000" dirty="0"/>
-              <a:t>7.Nb3 (0.3)</a:t>
-            </a:r>
-          </a:p>
-          <a:p>
-            <a:r>
-              <a:rPr lang="en-US" sz="1000" dirty="0"/>
-              <a:t>8.g4 (0.3)</a:t>
-            </a:r>
-          </a:p>
-          <a:p>
-            <a:r>
-              <a:rPr lang="en-US" sz="1000" dirty="0"/>
-              <a:t>9.Be2 (0.3)</a:t>
-            </a:r>
-          </a:p>
-          <a:p>
-            <a:r>
-              <a:rPr lang="en-US" sz="1000" dirty="0"/>
-              <a:t>10.Nc1 (0.3)</a:t>
-            </a:r>
-          </a:p>
-          <a:p>
-            <a:r>
-              <a:rPr lang="en-US" sz="1000" dirty="0"/>
-              <a:t>11.</a:t>
-            </a:r>
-            <a:r>
-              <a:rPr lang="en-US" sz="1000" b="1" dirty="0"/>
-              <a:t>b3</a:t>
-            </a:r>
-            <a:r>
-              <a:rPr lang="en-US" sz="1000" dirty="0"/>
-              <a:t> (0.3)</a:t>
-            </a:r>
-            <a:endParaRPr lang="en-AU" sz="1000" dirty="0"/>
-          </a:p>
-        </p:txBody>
-      </p:sp>
-      <p:pic>
-        <p:nvPicPr>
-          <p:cNvPr id="25" name="Picture 24">
-            <a:extLst>
-              <a:ext uri="{FF2B5EF4-FFF2-40B4-BE49-F238E27FC236}">
-                <a16:creationId xmlns:a16="http://schemas.microsoft.com/office/drawing/2014/main" id="{48E6936B-F2EC-4934-5FF2-C4D301AF2828}"/>
-              </a:ext>
-            </a:extLst>
-          </p:cNvPr>
-          <p:cNvPicPr>
-            <a:picLocks noChangeAspect="1"/>
-          </p:cNvPicPr>
-          <p:nvPr/>
-        </p:nvPicPr>
-        <p:blipFill>
-          <a:blip r:embed="rId8">
-            <a:duotone>
-              <a:prstClr val="black"/>
-              <a:schemeClr val="accent6">
-                <a:tint val="45000"/>
-                <a:satMod val="400000"/>
-              </a:schemeClr>
-            </a:duotone>
-          </a:blip>
-          <a:stretch>
-            <a:fillRect/>
-          </a:stretch>
-        </p:blipFill>
-        <p:spPr>
-          <a:xfrm>
-            <a:off x="5922630" y="4394171"/>
-            <a:ext cx="1512233" cy="1509863"/>
-          </a:xfrm>
-          <a:prstGeom prst="rect">
-            <a:avLst/>
-          </a:prstGeom>
-        </p:spPr>
-      </p:pic>
-      <p:sp>
-        <p:nvSpPr>
-          <p:cNvPr id="26" name="TextBox 25">
-            <a:extLst>
-              <a:ext uri="{FF2B5EF4-FFF2-40B4-BE49-F238E27FC236}">
-                <a16:creationId xmlns:a16="http://schemas.microsoft.com/office/drawing/2014/main" id="{A23AAEB8-01F2-F426-F989-AF46964AE448}"/>
-              </a:ext>
-            </a:extLst>
-          </p:cNvPr>
-          <p:cNvSpPr txBox="1"/>
-          <p:nvPr/>
-        </p:nvSpPr>
-        <p:spPr>
-          <a:xfrm>
-            <a:off x="4810532" y="508882"/>
-            <a:ext cx="774742" cy="1785104"/>
-          </a:xfrm>
-          <a:prstGeom prst="rect">
-            <a:avLst/>
-          </a:prstGeom>
-          <a:noFill/>
-        </p:spPr>
-        <p:txBody>
-          <a:bodyPr wrap="square" rtlCol="0">
-            <a:spAutoFit/>
-          </a:bodyPr>
-          <a:lstStyle/>
-          <a:p>
-            <a:r>
-              <a:rPr lang="en-US" sz="1000" dirty="0"/>
-              <a:t>c5 (0.4)</a:t>
-            </a:r>
-          </a:p>
-          <a:p>
-            <a:r>
-              <a:rPr lang="en-US" sz="1000" dirty="0"/>
-              <a:t>d6 (0.3)</a:t>
-            </a:r>
-          </a:p>
-          <a:p>
-            <a:r>
-              <a:rPr lang="en-US" sz="1000" dirty="0"/>
-              <a:t>cxd4 (0.3)</a:t>
-            </a:r>
-          </a:p>
-          <a:p>
-            <a:r>
-              <a:rPr lang="en-US" sz="1000" dirty="0"/>
-              <a:t>Nf6 (0.3)</a:t>
-            </a:r>
-          </a:p>
-          <a:p>
-            <a:r>
-              <a:rPr lang="en-US" sz="1000" dirty="0"/>
-              <a:t>Nc6 (0.3)</a:t>
-            </a:r>
-          </a:p>
-          <a:p>
-            <a:r>
-              <a:rPr lang="en-US" sz="1000" dirty="0"/>
-              <a:t>e5 (0.3)</a:t>
-            </a:r>
-          </a:p>
-          <a:p>
-            <a:r>
-              <a:rPr lang="en-US" sz="1000" dirty="0"/>
-              <a:t>Be7 (0.3)</a:t>
-            </a:r>
-          </a:p>
-          <a:p>
-            <a:r>
-              <a:rPr lang="en-US" sz="1000" dirty="0"/>
-              <a:t>a5 (0.3)</a:t>
-            </a:r>
-          </a:p>
-          <a:p>
-            <a:r>
-              <a:rPr lang="en-AU" sz="1000" dirty="0"/>
-              <a:t>a4</a:t>
-            </a:r>
-            <a:r>
-              <a:rPr lang="en-US" sz="1000" dirty="0"/>
-              <a:t> (0.3)</a:t>
-            </a:r>
-            <a:endParaRPr lang="en-AU" sz="1000" dirty="0"/>
-          </a:p>
-          <a:p>
-            <a:r>
-              <a:rPr lang="en-AU" sz="1000" dirty="0"/>
-              <a:t>a3 (-3.2)</a:t>
-            </a:r>
-          </a:p>
-          <a:p>
-            <a:r>
-              <a:rPr lang="en-AU" sz="1000" dirty="0"/>
-              <a:t>Be7</a:t>
-            </a:r>
-            <a:r>
-              <a:rPr lang="en-US" sz="1000" dirty="0"/>
-              <a:t> (0.3)</a:t>
-            </a:r>
-            <a:endParaRPr lang="en-AU" sz="1000" dirty="0"/>
-          </a:p>
-        </p:txBody>
-      </p:sp>
-      <p:sp>
-        <p:nvSpPr>
-          <p:cNvPr id="36" name="TextBox 35">
-            <a:extLst>
-              <a:ext uri="{FF2B5EF4-FFF2-40B4-BE49-F238E27FC236}">
-                <a16:creationId xmlns:a16="http://schemas.microsoft.com/office/drawing/2014/main" id="{4E1E9C70-F449-ECF5-7475-0FF9AF8E5DE7}"/>
-              </a:ext>
-            </a:extLst>
-          </p:cNvPr>
-          <p:cNvSpPr txBox="1"/>
-          <p:nvPr/>
-        </p:nvSpPr>
-        <p:spPr>
-          <a:xfrm>
-            <a:off x="6096000" y="1967071"/>
-            <a:ext cx="1295137" cy="246221"/>
-          </a:xfrm>
-          <a:prstGeom prst="rect">
-            <a:avLst/>
-          </a:prstGeom>
-          <a:noFill/>
-        </p:spPr>
-        <p:txBody>
-          <a:bodyPr wrap="square" rtlCol="0">
-            <a:spAutoFit/>
-          </a:bodyPr>
-          <a:lstStyle/>
-          <a:p>
-            <a:r>
-              <a:rPr lang="en-US" sz="1000" b="1" dirty="0"/>
-              <a:t>Main line after 5.Nc3</a:t>
-            </a:r>
-            <a:endParaRPr lang="en-AU" sz="1000" b="1" dirty="0"/>
-          </a:p>
-        </p:txBody>
-      </p:sp>
-      <p:sp>
-        <p:nvSpPr>
-          <p:cNvPr id="37" name="TextBox 36">
-            <a:extLst>
-              <a:ext uri="{FF2B5EF4-FFF2-40B4-BE49-F238E27FC236}">
-                <a16:creationId xmlns:a16="http://schemas.microsoft.com/office/drawing/2014/main" id="{929F4E53-486E-D8AD-D657-B720D223C846}"/>
-              </a:ext>
-            </a:extLst>
-          </p:cNvPr>
-          <p:cNvSpPr txBox="1"/>
-          <p:nvPr/>
-        </p:nvSpPr>
-        <p:spPr>
-          <a:xfrm>
-            <a:off x="9393001" y="1972991"/>
-            <a:ext cx="1295137" cy="246221"/>
-          </a:xfrm>
-          <a:prstGeom prst="rect">
-            <a:avLst/>
-          </a:prstGeom>
-          <a:noFill/>
-        </p:spPr>
-        <p:txBody>
-          <a:bodyPr wrap="square" rtlCol="0">
-            <a:spAutoFit/>
-          </a:bodyPr>
-          <a:lstStyle/>
-          <a:p>
-            <a:r>
-              <a:rPr lang="en-US" sz="1000" dirty="0"/>
-              <a:t>Sideline after 1… c5</a:t>
-            </a:r>
-            <a:endParaRPr lang="en-AU" sz="1000" dirty="0"/>
-          </a:p>
-        </p:txBody>
-      </p:sp>
-      <p:sp>
-        <p:nvSpPr>
-          <p:cNvPr id="38" name="TextBox 37">
-            <a:extLst>
-              <a:ext uri="{FF2B5EF4-FFF2-40B4-BE49-F238E27FC236}">
-                <a16:creationId xmlns:a16="http://schemas.microsoft.com/office/drawing/2014/main" id="{42E95A04-60ED-C5F1-9D16-B7525EC56D72}"/>
-              </a:ext>
-            </a:extLst>
-          </p:cNvPr>
-          <p:cNvSpPr txBox="1"/>
-          <p:nvPr/>
-        </p:nvSpPr>
-        <p:spPr>
-          <a:xfrm>
-            <a:off x="6096001" y="4026627"/>
-            <a:ext cx="1295136" cy="246221"/>
-          </a:xfrm>
-          <a:prstGeom prst="rect">
-            <a:avLst/>
-          </a:prstGeom>
-          <a:noFill/>
-        </p:spPr>
-        <p:txBody>
-          <a:bodyPr wrap="square" rtlCol="0">
-            <a:spAutoFit/>
-          </a:bodyPr>
-          <a:lstStyle/>
-          <a:p>
-            <a:r>
-              <a:rPr lang="en-US" sz="1000" dirty="0"/>
-              <a:t>Sideline after 9….d4</a:t>
-            </a:r>
-            <a:endParaRPr lang="en-AU" sz="1000" dirty="0"/>
-          </a:p>
-        </p:txBody>
-      </p:sp>
-      <p:sp>
-        <p:nvSpPr>
-          <p:cNvPr id="39" name="TextBox 38">
-            <a:extLst>
-              <a:ext uri="{FF2B5EF4-FFF2-40B4-BE49-F238E27FC236}">
-                <a16:creationId xmlns:a16="http://schemas.microsoft.com/office/drawing/2014/main" id="{CF69BE0A-737D-FB8D-CB8B-9F2B6AA6A02A}"/>
-              </a:ext>
-            </a:extLst>
-          </p:cNvPr>
-          <p:cNvSpPr txBox="1"/>
-          <p:nvPr/>
-        </p:nvSpPr>
-        <p:spPr>
-          <a:xfrm>
-            <a:off x="7717421" y="3997338"/>
-            <a:ext cx="1295136" cy="246221"/>
-          </a:xfrm>
-          <a:prstGeom prst="rect">
-            <a:avLst/>
-          </a:prstGeom>
-          <a:noFill/>
-        </p:spPr>
-        <p:txBody>
-          <a:bodyPr wrap="square" rtlCol="0">
-            <a:spAutoFit/>
-          </a:bodyPr>
-          <a:lstStyle/>
-          <a:p>
-            <a:r>
-              <a:rPr lang="en-US" sz="1000" dirty="0"/>
-              <a:t>Sideline after 6.Bg5</a:t>
-            </a:r>
-            <a:endParaRPr lang="en-AU" sz="1000" dirty="0"/>
-          </a:p>
-        </p:txBody>
-      </p:sp>
-      <p:sp>
-        <p:nvSpPr>
-          <p:cNvPr id="40" name="TextBox 39">
-            <a:extLst>
-              <a:ext uri="{FF2B5EF4-FFF2-40B4-BE49-F238E27FC236}">
-                <a16:creationId xmlns:a16="http://schemas.microsoft.com/office/drawing/2014/main" id="{63A99F5E-1252-9E37-07A5-05B010C054CC}"/>
-              </a:ext>
-            </a:extLst>
-          </p:cNvPr>
-          <p:cNvSpPr txBox="1"/>
-          <p:nvPr/>
-        </p:nvSpPr>
-        <p:spPr>
-          <a:xfrm>
-            <a:off x="9393001" y="4026627"/>
-            <a:ext cx="1295136" cy="246221"/>
-          </a:xfrm>
-          <a:prstGeom prst="rect">
-            <a:avLst/>
-          </a:prstGeom>
-          <a:noFill/>
-        </p:spPr>
-        <p:txBody>
-          <a:bodyPr wrap="square" rtlCol="0">
-            <a:spAutoFit/>
-          </a:bodyPr>
-          <a:lstStyle/>
-          <a:p>
-            <a:r>
-              <a:rPr lang="en-US" sz="1000" dirty="0"/>
-              <a:t>Sideline after 5.Nc3</a:t>
-            </a:r>
-            <a:endParaRPr lang="en-AU" sz="1000" dirty="0"/>
-          </a:p>
-        </p:txBody>
-      </p:sp>
-      <p:sp>
-        <p:nvSpPr>
-          <p:cNvPr id="41" name="TextBox 40">
-            <a:extLst>
-              <a:ext uri="{FF2B5EF4-FFF2-40B4-BE49-F238E27FC236}">
-                <a16:creationId xmlns:a16="http://schemas.microsoft.com/office/drawing/2014/main" id="{2D04DFDD-F71D-A981-B929-B5B83FAC944E}"/>
-              </a:ext>
-            </a:extLst>
-          </p:cNvPr>
-          <p:cNvSpPr txBox="1"/>
-          <p:nvPr/>
-        </p:nvSpPr>
-        <p:spPr>
-          <a:xfrm>
-            <a:off x="7675846" y="1965111"/>
-            <a:ext cx="1336711" cy="246221"/>
-          </a:xfrm>
-          <a:prstGeom prst="rect">
-            <a:avLst/>
-          </a:prstGeom>
-          <a:noFill/>
-        </p:spPr>
-        <p:txBody>
-          <a:bodyPr wrap="square" rtlCol="0">
-            <a:spAutoFit/>
-          </a:bodyPr>
-          <a:lstStyle/>
-          <a:p>
-            <a:r>
-              <a:rPr lang="en-US" sz="1000" dirty="0"/>
-              <a:t>Sideline after 6.Bc4</a:t>
-            </a:r>
-            <a:endParaRPr lang="en-AU" sz="1000" dirty="0"/>
-          </a:p>
-        </p:txBody>
-      </p:sp>
-      <p:sp>
-        <p:nvSpPr>
-          <p:cNvPr id="42" name="TextBox 41">
-            <a:extLst>
-              <a:ext uri="{FF2B5EF4-FFF2-40B4-BE49-F238E27FC236}">
-                <a16:creationId xmlns:a16="http://schemas.microsoft.com/office/drawing/2014/main" id="{994DD42F-3E6A-14B3-2D88-01A060A2C447}"/>
-              </a:ext>
-            </a:extLst>
-          </p:cNvPr>
-          <p:cNvSpPr txBox="1"/>
-          <p:nvPr/>
-        </p:nvSpPr>
-        <p:spPr>
-          <a:xfrm>
-            <a:off x="6077774" y="5952278"/>
-            <a:ext cx="1222099" cy="246221"/>
-          </a:xfrm>
-          <a:prstGeom prst="rect">
-            <a:avLst/>
-          </a:prstGeom>
-          <a:noFill/>
-        </p:spPr>
-        <p:txBody>
-          <a:bodyPr wrap="square" rtlCol="0">
-            <a:spAutoFit/>
-          </a:bodyPr>
-          <a:lstStyle/>
-          <a:p>
-            <a:pPr algn="ctr"/>
-            <a:r>
-              <a:rPr lang="en-US" sz="1000" dirty="0"/>
-              <a:t>Me vs Computer</a:t>
-            </a:r>
-            <a:endParaRPr lang="en-AU" sz="1000" dirty="0"/>
-          </a:p>
-        </p:txBody>
-      </p:sp>
-      <p:sp>
-        <p:nvSpPr>
-          <p:cNvPr id="43" name="TextBox 42">
-            <a:extLst>
-              <a:ext uri="{FF2B5EF4-FFF2-40B4-BE49-F238E27FC236}">
-                <a16:creationId xmlns:a16="http://schemas.microsoft.com/office/drawing/2014/main" id="{59A65A88-D2F2-99B8-4E0A-6CD4BBF5F0CC}"/>
-              </a:ext>
-            </a:extLst>
-          </p:cNvPr>
-          <p:cNvSpPr txBox="1"/>
-          <p:nvPr/>
-        </p:nvSpPr>
-        <p:spPr>
-          <a:xfrm>
-            <a:off x="6040506" y="6127611"/>
-            <a:ext cx="1295136" cy="246221"/>
-          </a:xfrm>
-          <a:prstGeom prst="rect">
-            <a:avLst/>
-          </a:prstGeom>
-          <a:noFill/>
-        </p:spPr>
-        <p:txBody>
-          <a:bodyPr wrap="square" rtlCol="0">
-            <a:spAutoFit/>
-          </a:bodyPr>
-          <a:lstStyle/>
-          <a:p>
-            <a:pPr algn="ctr"/>
-            <a:r>
-              <a:rPr lang="en-US" sz="1000" dirty="0"/>
-              <a:t>(1…e5)</a:t>
-            </a:r>
-            <a:endParaRPr lang="en-AU" sz="1000" dirty="0"/>
-          </a:p>
-        </p:txBody>
-      </p:sp>
-      <p:sp>
-        <p:nvSpPr>
-          <p:cNvPr id="2" name="TextBox 1">
-            <a:extLst>
-              <a:ext uri="{FF2B5EF4-FFF2-40B4-BE49-F238E27FC236}">
-                <a16:creationId xmlns:a16="http://schemas.microsoft.com/office/drawing/2014/main" id="{EE2A5C34-AE49-9968-C415-B6A709ADA33E}"/>
-              </a:ext>
-            </a:extLst>
-          </p:cNvPr>
-          <p:cNvSpPr txBox="1"/>
-          <p:nvPr/>
-        </p:nvSpPr>
-        <p:spPr>
-          <a:xfrm>
-            <a:off x="1371047" y="147199"/>
-            <a:ext cx="1140644" cy="276999"/>
-          </a:xfrm>
-          <a:prstGeom prst="rect">
-            <a:avLst/>
-          </a:prstGeom>
-          <a:noFill/>
-        </p:spPr>
-        <p:txBody>
-          <a:bodyPr wrap="square" rtlCol="0">
-            <a:spAutoFit/>
-          </a:bodyPr>
-          <a:lstStyle/>
-          <a:p>
-            <a:pPr algn="ctr"/>
-            <a:r>
-              <a:rPr lang="en-US" sz="1200" b="1" dirty="0"/>
-              <a:t>Sideline 6.Be3</a:t>
-            </a:r>
-            <a:endParaRPr lang="en-AU" sz="1200" b="1" dirty="0"/>
-          </a:p>
-        </p:txBody>
-      </p:sp>
-      <p:sp>
-        <p:nvSpPr>
-          <p:cNvPr id="28" name="TextBox 27">
-            <a:extLst>
-              <a:ext uri="{FF2B5EF4-FFF2-40B4-BE49-F238E27FC236}">
-                <a16:creationId xmlns:a16="http://schemas.microsoft.com/office/drawing/2014/main" id="{AA5BDD1F-EA64-7AEF-ACF9-B0016D8FF7DA}"/>
-              </a:ext>
-            </a:extLst>
-          </p:cNvPr>
-          <p:cNvSpPr txBox="1"/>
-          <p:nvPr/>
-        </p:nvSpPr>
-        <p:spPr>
-          <a:xfrm>
-            <a:off x="414777" y="3681844"/>
-            <a:ext cx="3053187" cy="861774"/>
-          </a:xfrm>
-          <a:prstGeom prst="rect">
-            <a:avLst/>
-          </a:prstGeom>
-          <a:noFill/>
-        </p:spPr>
-        <p:txBody>
-          <a:bodyPr wrap="square" rtlCol="0">
-            <a:spAutoFit/>
-          </a:bodyPr>
-          <a:lstStyle/>
-          <a:p>
-            <a:r>
-              <a:rPr lang="en-US" sz="1000" dirty="0"/>
-              <a:t>1.e4 c5 2.Nf3 (2.d4 cd4 3.c3) d6 3.d4 cxd4 4.Nxd4</a:t>
-            </a:r>
-            <a:r>
-              <a:rPr lang="en-US" sz="1000" b="1" dirty="0"/>
-              <a:t> </a:t>
-            </a:r>
-            <a:r>
-              <a:rPr lang="en-US" sz="1000" dirty="0"/>
-              <a:t>Nf6 </a:t>
-            </a:r>
-            <a:r>
-              <a:rPr lang="en-US" sz="1000" b="1" dirty="0"/>
-              <a:t>5.Nc3 </a:t>
-            </a:r>
-            <a:r>
-              <a:rPr lang="en-US" sz="1000" dirty="0"/>
-              <a:t>Nc6 (5…e5 6.Ndb5 a6 7.Na3) 6.Bc4 (6.Bg5) (6.Be2 e5 7.Nb3 Be7 8.Be3 Be6 7.O-O O-O 8. f4 d5 9.f5 d4) (6.Be3 e5 7.Nb3 Be7 8.g4 a5 9.Be2 a4 10.Nc1 a3 </a:t>
-            </a:r>
-            <a:r>
-              <a:rPr lang="en-US" sz="1000" b="1" dirty="0"/>
-              <a:t>11.b3</a:t>
-            </a:r>
-            <a:r>
-              <a:rPr lang="en-US" sz="1000" dirty="0"/>
-              <a:t>) </a:t>
-            </a:r>
-            <a:endParaRPr lang="en-AU" sz="1000" dirty="0"/>
-          </a:p>
-        </p:txBody>
-      </p:sp>
-      <p:sp>
-        <p:nvSpPr>
-          <p:cNvPr id="29" name="Rectangle 28">
-            <a:extLst>
-              <a:ext uri="{FF2B5EF4-FFF2-40B4-BE49-F238E27FC236}">
-                <a16:creationId xmlns:a16="http://schemas.microsoft.com/office/drawing/2014/main" id="{D9E20FFE-745B-C737-9E56-BF631B0CE25E}"/>
-              </a:ext>
-            </a:extLst>
-          </p:cNvPr>
-          <p:cNvSpPr/>
-          <p:nvPr/>
-        </p:nvSpPr>
-        <p:spPr>
-          <a:xfrm>
-            <a:off x="479129" y="4337109"/>
-            <a:ext cx="327212" cy="151831"/>
-          </a:xfrm>
-          <a:prstGeom prst="rect">
-            <a:avLst/>
-          </a:prstGeom>
-          <a:solidFill>
-            <a:schemeClr val="accent1">
-              <a:alpha val="50000"/>
-            </a:schemeClr>
-          </a:solidFill>
-          <a:ln>
-            <a:noFill/>
-          </a:ln>
-        </p:spPr>
-        <p:style>
-          <a:lnRef idx="2">
-            <a:schemeClr val="accent1">
-              <a:shade val="50000"/>
-            </a:schemeClr>
-          </a:lnRef>
-          <a:fillRef idx="1">
-            <a:schemeClr val="accent1"/>
-          </a:fillRef>
-          <a:effectRef idx="0">
-            <a:schemeClr val="accent1"/>
-          </a:effectRef>
-          <a:fontRef idx="minor">
-            <a:schemeClr val="lt1"/>
-          </a:fontRef>
-        </p:style>
-        <p:txBody>
-          <a:bodyPr rtlCol="0" anchor="ctr"/>
-          <a:lstStyle/>
-          <a:p>
-            <a:pPr algn="ctr"/>
-            <a:endParaRPr lang="en-AU" b="1" dirty="0"/>
-          </a:p>
-        </p:txBody>
-      </p:sp>
-    </p:spTree>
-    <p:extLst>
-      <p:ext uri="{BB962C8B-B14F-4D97-AF65-F5344CB8AC3E}">
-        <p14:creationId xmlns:p14="http://schemas.microsoft.com/office/powerpoint/2010/main" val="596392975"/>
+        <p14:creationId xmlns:p14="http://schemas.microsoft.com/office/powerpoint/2010/main" val="3503028717"/>
       </p:ext>
     </p:extLst>
   </p:cSld>

--- a/Documentation/MainScreen.pptx
+++ b/Documentation/MainScreen.pptx
@@ -8,6 +8,7 @@
     <p:sldId id="259" r:id="rId2"/>
     <p:sldId id="256" r:id="rId3"/>
     <p:sldId id="260" r:id="rId4"/>
+    <p:sldId id="261" r:id="rId5"/>
   </p:sldIdLst>
   <p:sldSz cx="12192000" cy="6858000"/>
   <p:notesSz cx="6858000" cy="9144000"/>
@@ -263,7 +264,7 @@
           <a:p>
             <a:fld id="{12403DD5-BA0F-4CF9-9809-F3531374A54B}" type="datetimeFigureOut">
               <a:rPr lang="en-AU" smtClean="0"/>
-              <a:t>27/08/2022</a:t>
+              <a:t>4/09/2022</a:t>
             </a:fld>
             <a:endParaRPr lang="en-AU"/>
           </a:p>
@@ -463,7 +464,7 @@
           <a:p>
             <a:fld id="{12403DD5-BA0F-4CF9-9809-F3531374A54B}" type="datetimeFigureOut">
               <a:rPr lang="en-AU" smtClean="0"/>
-              <a:t>27/08/2022</a:t>
+              <a:t>4/09/2022</a:t>
             </a:fld>
             <a:endParaRPr lang="en-AU"/>
           </a:p>
@@ -673,7 +674,7 @@
           <a:p>
             <a:fld id="{12403DD5-BA0F-4CF9-9809-F3531374A54B}" type="datetimeFigureOut">
               <a:rPr lang="en-AU" smtClean="0"/>
-              <a:t>27/08/2022</a:t>
+              <a:t>4/09/2022</a:t>
             </a:fld>
             <a:endParaRPr lang="en-AU"/>
           </a:p>
@@ -873,7 +874,7 @@
           <a:p>
             <a:fld id="{12403DD5-BA0F-4CF9-9809-F3531374A54B}" type="datetimeFigureOut">
               <a:rPr lang="en-AU" smtClean="0"/>
-              <a:t>27/08/2022</a:t>
+              <a:t>4/09/2022</a:t>
             </a:fld>
             <a:endParaRPr lang="en-AU"/>
           </a:p>
@@ -1149,7 +1150,7 @@
           <a:p>
             <a:fld id="{12403DD5-BA0F-4CF9-9809-F3531374A54B}" type="datetimeFigureOut">
               <a:rPr lang="en-AU" smtClean="0"/>
-              <a:t>27/08/2022</a:t>
+              <a:t>4/09/2022</a:t>
             </a:fld>
             <a:endParaRPr lang="en-AU"/>
           </a:p>
@@ -1417,7 +1418,7 @@
           <a:p>
             <a:fld id="{12403DD5-BA0F-4CF9-9809-F3531374A54B}" type="datetimeFigureOut">
               <a:rPr lang="en-AU" smtClean="0"/>
-              <a:t>27/08/2022</a:t>
+              <a:t>4/09/2022</a:t>
             </a:fld>
             <a:endParaRPr lang="en-AU"/>
           </a:p>
@@ -1832,7 +1833,7 @@
           <a:p>
             <a:fld id="{12403DD5-BA0F-4CF9-9809-F3531374A54B}" type="datetimeFigureOut">
               <a:rPr lang="en-AU" smtClean="0"/>
-              <a:t>27/08/2022</a:t>
+              <a:t>4/09/2022</a:t>
             </a:fld>
             <a:endParaRPr lang="en-AU"/>
           </a:p>
@@ -1974,7 +1975,7 @@
           <a:p>
             <a:fld id="{12403DD5-BA0F-4CF9-9809-F3531374A54B}" type="datetimeFigureOut">
               <a:rPr lang="en-AU" smtClean="0"/>
-              <a:t>27/08/2022</a:t>
+              <a:t>4/09/2022</a:t>
             </a:fld>
             <a:endParaRPr lang="en-AU"/>
           </a:p>
@@ -2087,7 +2088,7 @@
           <a:p>
             <a:fld id="{12403DD5-BA0F-4CF9-9809-F3531374A54B}" type="datetimeFigureOut">
               <a:rPr lang="en-AU" smtClean="0"/>
-              <a:t>27/08/2022</a:t>
+              <a:t>4/09/2022</a:t>
             </a:fld>
             <a:endParaRPr lang="en-AU"/>
           </a:p>
@@ -2400,7 +2401,7 @@
           <a:p>
             <a:fld id="{12403DD5-BA0F-4CF9-9809-F3531374A54B}" type="datetimeFigureOut">
               <a:rPr lang="en-AU" smtClean="0"/>
-              <a:t>27/08/2022</a:t>
+              <a:t>4/09/2022</a:t>
             </a:fld>
             <a:endParaRPr lang="en-AU"/>
           </a:p>
@@ -2689,7 +2690,7 @@
           <a:p>
             <a:fld id="{12403DD5-BA0F-4CF9-9809-F3531374A54B}" type="datetimeFigureOut">
               <a:rPr lang="en-AU" smtClean="0"/>
-              <a:t>27/08/2022</a:t>
+              <a:t>4/09/2022</a:t>
             </a:fld>
             <a:endParaRPr lang="en-AU"/>
           </a:p>
@@ -2932,7 +2933,7 @@
           <a:p>
             <a:fld id="{12403DD5-BA0F-4CF9-9809-F3531374A54B}" type="datetimeFigureOut">
               <a:rPr lang="en-AU" smtClean="0"/>
-              <a:t>27/08/2022</a:t>
+              <a:t>4/09/2022</a:t>
             </a:fld>
             <a:endParaRPr lang="en-AU"/>
           </a:p>
@@ -4097,6 +4098,546 @@
 </p:sld>
 </file>
 
+<file path=ppt/slides/slide4.xml><?xml version="1.0" encoding="utf-8"?>
+<p:sld xmlns:a="http://schemas.openxmlformats.org/drawingml/2006/main" xmlns:r="http://schemas.openxmlformats.org/officeDocument/2006/relationships" xmlns:p="http://schemas.openxmlformats.org/presentationml/2006/main">
+  <p:cSld>
+    <p:spTree>
+      <p:nvGrpSpPr>
+        <p:cNvPr id="1" name=""/>
+        <p:cNvGrpSpPr/>
+        <p:nvPr/>
+      </p:nvGrpSpPr>
+      <p:grpSpPr>
+        <a:xfrm>
+          <a:off x="0" y="0"/>
+          <a:ext cx="0" cy="0"/>
+          <a:chOff x="0" y="0"/>
+          <a:chExt cx="0" cy="0"/>
+        </a:xfrm>
+      </p:grpSpPr>
+      <p:sp>
+        <p:nvSpPr>
+          <p:cNvPr id="4" name="Rectangle: Rounded Corners 3">
+            <a:extLst>
+              <a:ext uri="{FF2B5EF4-FFF2-40B4-BE49-F238E27FC236}">
+                <a16:creationId xmlns:a16="http://schemas.microsoft.com/office/drawing/2014/main" id="{2DC957A4-9212-E426-380F-6F264EAA00E2}"/>
+              </a:ext>
+            </a:extLst>
+          </p:cNvPr>
+          <p:cNvSpPr/>
+          <p:nvPr/>
+        </p:nvSpPr>
+        <p:spPr>
+          <a:xfrm>
+            <a:off x="4388489" y="2680855"/>
+            <a:ext cx="1394691" cy="748145"/>
+          </a:xfrm>
+          <a:prstGeom prst="roundRect">
+            <a:avLst/>
+          </a:prstGeom>
+        </p:spPr>
+        <p:style>
+          <a:lnRef idx="2">
+            <a:schemeClr val="accent1">
+              <a:shade val="50000"/>
+            </a:schemeClr>
+          </a:lnRef>
+          <a:fillRef idx="1">
+            <a:schemeClr val="accent1"/>
+          </a:fillRef>
+          <a:effectRef idx="0">
+            <a:schemeClr val="accent1"/>
+          </a:effectRef>
+          <a:fontRef idx="minor">
+            <a:schemeClr val="lt1"/>
+          </a:fontRef>
+        </p:style>
+        <p:txBody>
+          <a:bodyPr rtlCol="0" anchor="ctr"/>
+          <a:lstStyle/>
+          <a:p>
+            <a:pPr algn="ctr"/>
+            <a:r>
+              <a:rPr lang="en-US" dirty="0"/>
+              <a:t>Manual Review</a:t>
+            </a:r>
+            <a:endParaRPr lang="en-AU" dirty="0"/>
+          </a:p>
+        </p:txBody>
+      </p:sp>
+      <p:sp>
+        <p:nvSpPr>
+          <p:cNvPr id="5" name="Rectangle: Rounded Corners 4">
+            <a:extLst>
+              <a:ext uri="{FF2B5EF4-FFF2-40B4-BE49-F238E27FC236}">
+                <a16:creationId xmlns:a16="http://schemas.microsoft.com/office/drawing/2014/main" id="{A7AF2CDA-4727-F128-4EB0-57619A236A0C}"/>
+              </a:ext>
+            </a:extLst>
+          </p:cNvPr>
+          <p:cNvSpPr/>
+          <p:nvPr/>
+        </p:nvSpPr>
+        <p:spPr>
+          <a:xfrm>
+            <a:off x="4388488" y="3905356"/>
+            <a:ext cx="1394691" cy="748145"/>
+          </a:xfrm>
+          <a:prstGeom prst="roundRect">
+            <a:avLst/>
+          </a:prstGeom>
+        </p:spPr>
+        <p:style>
+          <a:lnRef idx="2">
+            <a:schemeClr val="accent1">
+              <a:shade val="50000"/>
+            </a:schemeClr>
+          </a:lnRef>
+          <a:fillRef idx="1">
+            <a:schemeClr val="accent1"/>
+          </a:fillRef>
+          <a:effectRef idx="0">
+            <a:schemeClr val="accent1"/>
+          </a:effectRef>
+          <a:fontRef idx="minor">
+            <a:schemeClr val="lt1"/>
+          </a:fontRef>
+        </p:style>
+        <p:txBody>
+          <a:bodyPr rtlCol="0" anchor="ctr"/>
+          <a:lstStyle/>
+          <a:p>
+            <a:pPr algn="ctr"/>
+            <a:r>
+              <a:rPr lang="en-US" dirty="0"/>
+              <a:t>Game</a:t>
+            </a:r>
+            <a:endParaRPr lang="en-AU" dirty="0"/>
+          </a:p>
+        </p:txBody>
+      </p:sp>
+      <p:sp>
+        <p:nvSpPr>
+          <p:cNvPr id="6" name="Rectangle: Rounded Corners 5">
+            <a:extLst>
+              <a:ext uri="{FF2B5EF4-FFF2-40B4-BE49-F238E27FC236}">
+                <a16:creationId xmlns:a16="http://schemas.microsoft.com/office/drawing/2014/main" id="{7FE0C7A1-5F78-6688-6FC9-AD9282D3A991}"/>
+              </a:ext>
+            </a:extLst>
+          </p:cNvPr>
+          <p:cNvSpPr/>
+          <p:nvPr/>
+        </p:nvSpPr>
+        <p:spPr>
+          <a:xfrm>
+            <a:off x="6480524" y="2680855"/>
+            <a:ext cx="1394691" cy="748145"/>
+          </a:xfrm>
+          <a:prstGeom prst="roundRect">
+            <a:avLst/>
+          </a:prstGeom>
+        </p:spPr>
+        <p:style>
+          <a:lnRef idx="2">
+            <a:schemeClr val="accent1">
+              <a:shade val="50000"/>
+            </a:schemeClr>
+          </a:lnRef>
+          <a:fillRef idx="1">
+            <a:schemeClr val="accent1"/>
+          </a:fillRef>
+          <a:effectRef idx="0">
+            <a:schemeClr val="accent1"/>
+          </a:effectRef>
+          <a:fontRef idx="minor">
+            <a:schemeClr val="lt1"/>
+          </a:fontRef>
+        </p:style>
+        <p:txBody>
+          <a:bodyPr rtlCol="0" anchor="ctr"/>
+          <a:lstStyle/>
+          <a:p>
+            <a:pPr algn="ctr"/>
+            <a:r>
+              <a:rPr lang="en-US" dirty="0"/>
+              <a:t>Training</a:t>
+            </a:r>
+            <a:endParaRPr lang="en-AU" dirty="0"/>
+          </a:p>
+        </p:txBody>
+      </p:sp>
+      <p:cxnSp>
+        <p:nvCxnSpPr>
+          <p:cNvPr id="15" name="Straight Arrow Connector 14">
+            <a:extLst>
+              <a:ext uri="{FF2B5EF4-FFF2-40B4-BE49-F238E27FC236}">
+                <a16:creationId xmlns:a16="http://schemas.microsoft.com/office/drawing/2014/main" id="{23FCA504-4F3B-4EBB-D8BC-1A1E4A3CE809}"/>
+              </a:ext>
+            </a:extLst>
+          </p:cNvPr>
+          <p:cNvCxnSpPr>
+            <a:stCxn id="4" idx="2"/>
+            <a:endCxn id="5" idx="0"/>
+          </p:cNvCxnSpPr>
+          <p:nvPr/>
+        </p:nvCxnSpPr>
+        <p:spPr>
+          <a:xfrm flipH="1">
+            <a:off x="5085834" y="3429000"/>
+            <a:ext cx="1" cy="476356"/>
+          </a:xfrm>
+          <a:prstGeom prst="straightConnector1">
+            <a:avLst/>
+          </a:prstGeom>
+          <a:ln>
+            <a:headEnd type="triangle"/>
+            <a:tailEnd type="triangle"/>
+          </a:ln>
+        </p:spPr>
+        <p:style>
+          <a:lnRef idx="1">
+            <a:schemeClr val="accent1"/>
+          </a:lnRef>
+          <a:fillRef idx="0">
+            <a:schemeClr val="accent1"/>
+          </a:fillRef>
+          <a:effectRef idx="0">
+            <a:schemeClr val="accent1"/>
+          </a:effectRef>
+          <a:fontRef idx="minor">
+            <a:schemeClr val="tx1"/>
+          </a:fontRef>
+        </p:style>
+      </p:cxnSp>
+      <p:cxnSp>
+        <p:nvCxnSpPr>
+          <p:cNvPr id="19" name="Straight Arrow Connector 18">
+            <a:extLst>
+              <a:ext uri="{FF2B5EF4-FFF2-40B4-BE49-F238E27FC236}">
+                <a16:creationId xmlns:a16="http://schemas.microsoft.com/office/drawing/2014/main" id="{E6F9C075-8E9F-D6F5-32A8-D3723F8AD90D}"/>
+              </a:ext>
+            </a:extLst>
+          </p:cNvPr>
+          <p:cNvCxnSpPr>
+            <a:cxnSpLocks/>
+            <a:stCxn id="6" idx="2"/>
+            <a:endCxn id="23" idx="0"/>
+          </p:cNvCxnSpPr>
+          <p:nvPr/>
+        </p:nvCxnSpPr>
+        <p:spPr>
+          <a:xfrm>
+            <a:off x="7177870" y="3429000"/>
+            <a:ext cx="0" cy="476355"/>
+          </a:xfrm>
+          <a:prstGeom prst="straightConnector1">
+            <a:avLst/>
+          </a:prstGeom>
+          <a:ln>
+            <a:headEnd type="triangle"/>
+            <a:tailEnd type="triangle"/>
+          </a:ln>
+        </p:spPr>
+        <p:style>
+          <a:lnRef idx="1">
+            <a:schemeClr val="accent1"/>
+          </a:lnRef>
+          <a:fillRef idx="0">
+            <a:schemeClr val="accent1"/>
+          </a:fillRef>
+          <a:effectRef idx="0">
+            <a:schemeClr val="accent1"/>
+          </a:effectRef>
+          <a:fontRef idx="minor">
+            <a:schemeClr val="tx1"/>
+          </a:fontRef>
+        </p:style>
+      </p:cxnSp>
+      <p:cxnSp>
+        <p:nvCxnSpPr>
+          <p:cNvPr id="22" name="Straight Arrow Connector 21">
+            <a:extLst>
+              <a:ext uri="{FF2B5EF4-FFF2-40B4-BE49-F238E27FC236}">
+                <a16:creationId xmlns:a16="http://schemas.microsoft.com/office/drawing/2014/main" id="{9EA87A32-B194-3548-C896-8154571FADF4}"/>
+              </a:ext>
+            </a:extLst>
+          </p:cNvPr>
+          <p:cNvCxnSpPr>
+            <a:cxnSpLocks/>
+            <a:stCxn id="4" idx="3"/>
+            <a:endCxn id="6" idx="1"/>
+          </p:cNvCxnSpPr>
+          <p:nvPr/>
+        </p:nvCxnSpPr>
+        <p:spPr>
+          <a:xfrm>
+            <a:off x="5783180" y="3054928"/>
+            <a:ext cx="697344" cy="0"/>
+          </a:xfrm>
+          <a:prstGeom prst="straightConnector1">
+            <a:avLst/>
+          </a:prstGeom>
+          <a:ln>
+            <a:headEnd type="triangle"/>
+            <a:tailEnd type="triangle"/>
+          </a:ln>
+        </p:spPr>
+        <p:style>
+          <a:lnRef idx="1">
+            <a:schemeClr val="accent1"/>
+          </a:lnRef>
+          <a:fillRef idx="0">
+            <a:schemeClr val="accent1"/>
+          </a:fillRef>
+          <a:effectRef idx="0">
+            <a:schemeClr val="accent1"/>
+          </a:effectRef>
+          <a:fontRef idx="minor">
+            <a:schemeClr val="tx1"/>
+          </a:fontRef>
+        </p:style>
+      </p:cxnSp>
+      <p:sp>
+        <p:nvSpPr>
+          <p:cNvPr id="23" name="Rectangle: Rounded Corners 22">
+            <a:extLst>
+              <a:ext uri="{FF2B5EF4-FFF2-40B4-BE49-F238E27FC236}">
+                <a16:creationId xmlns:a16="http://schemas.microsoft.com/office/drawing/2014/main" id="{9EB89DA8-7DD3-9BA9-8566-EF9BC357BCE2}"/>
+              </a:ext>
+            </a:extLst>
+          </p:cNvPr>
+          <p:cNvSpPr/>
+          <p:nvPr/>
+        </p:nvSpPr>
+        <p:spPr>
+          <a:xfrm>
+            <a:off x="6480524" y="3905355"/>
+            <a:ext cx="1394691" cy="748145"/>
+          </a:xfrm>
+          <a:prstGeom prst="roundRect">
+            <a:avLst/>
+          </a:prstGeom>
+        </p:spPr>
+        <p:style>
+          <a:lnRef idx="2">
+            <a:schemeClr val="accent1">
+              <a:shade val="50000"/>
+            </a:schemeClr>
+          </a:lnRef>
+          <a:fillRef idx="1">
+            <a:schemeClr val="accent1"/>
+          </a:fillRef>
+          <a:effectRef idx="0">
+            <a:schemeClr val="accent1"/>
+          </a:effectRef>
+          <a:fontRef idx="minor">
+            <a:schemeClr val="lt1"/>
+          </a:fontRef>
+        </p:style>
+        <p:txBody>
+          <a:bodyPr rtlCol="0" anchor="ctr"/>
+          <a:lstStyle/>
+          <a:p>
+            <a:pPr algn="ctr"/>
+            <a:r>
+              <a:rPr lang="en-US" dirty="0"/>
+              <a:t>Game</a:t>
+            </a:r>
+            <a:endParaRPr lang="en-AU" dirty="0"/>
+          </a:p>
+        </p:txBody>
+      </p:sp>
+      <p:sp>
+        <p:nvSpPr>
+          <p:cNvPr id="2" name="Rectangle: Rounded Corners 1">
+            <a:extLst>
+              <a:ext uri="{FF2B5EF4-FFF2-40B4-BE49-F238E27FC236}">
+                <a16:creationId xmlns:a16="http://schemas.microsoft.com/office/drawing/2014/main" id="{85DED272-989B-F69F-DCBF-ACC7239C02CE}"/>
+              </a:ext>
+            </a:extLst>
+          </p:cNvPr>
+          <p:cNvSpPr/>
+          <p:nvPr/>
+        </p:nvSpPr>
+        <p:spPr>
+          <a:xfrm>
+            <a:off x="4388489" y="1456355"/>
+            <a:ext cx="1394691" cy="748145"/>
+          </a:xfrm>
+          <a:prstGeom prst="roundRect">
+            <a:avLst/>
+          </a:prstGeom>
+        </p:spPr>
+        <p:style>
+          <a:lnRef idx="2">
+            <a:schemeClr val="accent1">
+              <a:shade val="50000"/>
+            </a:schemeClr>
+          </a:lnRef>
+          <a:fillRef idx="1">
+            <a:schemeClr val="accent1"/>
+          </a:fillRef>
+          <a:effectRef idx="0">
+            <a:schemeClr val="accent1"/>
+          </a:effectRef>
+          <a:fontRef idx="minor">
+            <a:schemeClr val="lt1"/>
+          </a:fontRef>
+        </p:style>
+        <p:txBody>
+          <a:bodyPr rtlCol="0" anchor="ctr"/>
+          <a:lstStyle/>
+          <a:p>
+            <a:pPr algn="ctr"/>
+            <a:r>
+              <a:rPr lang="en-US" dirty="0"/>
+              <a:t>Idle</a:t>
+            </a:r>
+            <a:endParaRPr lang="en-AU" dirty="0"/>
+          </a:p>
+        </p:txBody>
+      </p:sp>
+      <p:cxnSp>
+        <p:nvCxnSpPr>
+          <p:cNvPr id="7" name="Straight Arrow Connector 6">
+            <a:extLst>
+              <a:ext uri="{FF2B5EF4-FFF2-40B4-BE49-F238E27FC236}">
+                <a16:creationId xmlns:a16="http://schemas.microsoft.com/office/drawing/2014/main" id="{2B28D437-1768-B0C7-2D1A-EC18BAD5FD25}"/>
+              </a:ext>
+            </a:extLst>
+          </p:cNvPr>
+          <p:cNvCxnSpPr>
+            <a:stCxn id="2" idx="2"/>
+            <a:endCxn id="4" idx="0"/>
+          </p:cNvCxnSpPr>
+          <p:nvPr/>
+        </p:nvCxnSpPr>
+        <p:spPr>
+          <a:xfrm>
+            <a:off x="5085835" y="2204500"/>
+            <a:ext cx="0" cy="476355"/>
+          </a:xfrm>
+          <a:prstGeom prst="straightConnector1">
+            <a:avLst/>
+          </a:prstGeom>
+          <a:ln>
+            <a:headEnd type="triangle"/>
+            <a:tailEnd type="triangle"/>
+          </a:ln>
+        </p:spPr>
+        <p:style>
+          <a:lnRef idx="1">
+            <a:schemeClr val="accent1"/>
+          </a:lnRef>
+          <a:fillRef idx="0">
+            <a:schemeClr val="accent1"/>
+          </a:fillRef>
+          <a:effectRef idx="0">
+            <a:schemeClr val="accent1"/>
+          </a:effectRef>
+          <a:fontRef idx="minor">
+            <a:schemeClr val="tx1"/>
+          </a:fontRef>
+        </p:style>
+      </p:cxnSp>
+      <p:cxnSp>
+        <p:nvCxnSpPr>
+          <p:cNvPr id="9" name="Connector: Elbow 8">
+            <a:extLst>
+              <a:ext uri="{FF2B5EF4-FFF2-40B4-BE49-F238E27FC236}">
+                <a16:creationId xmlns:a16="http://schemas.microsoft.com/office/drawing/2014/main" id="{3466D4BD-9F26-9D69-6948-E13EC31B8D4B}"/>
+              </a:ext>
+            </a:extLst>
+          </p:cNvPr>
+          <p:cNvCxnSpPr>
+            <a:stCxn id="6" idx="0"/>
+            <a:endCxn id="2" idx="3"/>
+          </p:cNvCxnSpPr>
+          <p:nvPr/>
+        </p:nvCxnSpPr>
+        <p:spPr>
+          <a:xfrm rot="16200000" flipV="1">
+            <a:off x="6055312" y="1558297"/>
+            <a:ext cx="850427" cy="1394690"/>
+          </a:xfrm>
+          <a:prstGeom prst="bentConnector2">
+            <a:avLst/>
+          </a:prstGeom>
+          <a:ln>
+            <a:tailEnd type="triangle"/>
+          </a:ln>
+        </p:spPr>
+        <p:style>
+          <a:lnRef idx="1">
+            <a:schemeClr val="accent1"/>
+          </a:lnRef>
+          <a:fillRef idx="0">
+            <a:schemeClr val="accent1"/>
+          </a:fillRef>
+          <a:effectRef idx="0">
+            <a:schemeClr val="accent1"/>
+          </a:effectRef>
+          <a:fontRef idx="minor">
+            <a:schemeClr val="tx1"/>
+          </a:fontRef>
+        </p:style>
+      </p:cxnSp>
+      <p:cxnSp>
+        <p:nvCxnSpPr>
+          <p:cNvPr id="11" name="Connector: Elbow 10">
+            <a:extLst>
+              <a:ext uri="{FF2B5EF4-FFF2-40B4-BE49-F238E27FC236}">
+                <a16:creationId xmlns:a16="http://schemas.microsoft.com/office/drawing/2014/main" id="{053A31B7-A6F0-067B-DFF0-AC51C2C38014}"/>
+              </a:ext>
+            </a:extLst>
+          </p:cNvPr>
+          <p:cNvCxnSpPr>
+            <a:stCxn id="5" idx="1"/>
+            <a:endCxn id="2" idx="1"/>
+          </p:cNvCxnSpPr>
+          <p:nvPr/>
+        </p:nvCxnSpPr>
+        <p:spPr>
+          <a:xfrm rot="10800000" flipH="1">
+            <a:off x="4388487" y="1830429"/>
+            <a:ext cx="1" cy="2449001"/>
+          </a:xfrm>
+          <a:prstGeom prst="bentConnector3">
+            <a:avLst>
+              <a:gd name="adj1" fmla="val -22860000000"/>
+            </a:avLst>
+          </a:prstGeom>
+          <a:ln>
+            <a:tailEnd type="triangle"/>
+          </a:ln>
+        </p:spPr>
+        <p:style>
+          <a:lnRef idx="1">
+            <a:schemeClr val="accent1"/>
+          </a:lnRef>
+          <a:fillRef idx="0">
+            <a:schemeClr val="accent1"/>
+          </a:fillRef>
+          <a:effectRef idx="0">
+            <a:schemeClr val="accent1"/>
+          </a:effectRef>
+          <a:fontRef idx="minor">
+            <a:schemeClr val="tx1"/>
+          </a:fontRef>
+        </p:style>
+      </p:cxnSp>
+    </p:spTree>
+    <p:extLst>
+      <p:ext uri="{BB962C8B-B14F-4D97-AF65-F5344CB8AC3E}">
+        <p14:creationId xmlns:p14="http://schemas.microsoft.com/office/powerpoint/2010/main" val="1402885011"/>
+      </p:ext>
+    </p:extLst>
+  </p:cSld>
+  <p:clrMapOvr>
+    <a:masterClrMapping/>
+  </p:clrMapOvr>
+</p:sld>
+</file>
+
 <file path=ppt/theme/theme1.xml><?xml version="1.0" encoding="utf-8"?>
 <a:theme xmlns:a="http://schemas.openxmlformats.org/drawingml/2006/main" name="Office Theme">
   <a:themeElements>
